--- a/MEMUGScotland-Resources/Slides/31st-August-2022.pptx
+++ b/MEMUGScotland-Resources/Slides/31st-August-2022.pptx
@@ -3401,15 +3401,7 @@
           <a:p>
             <a:r>
               <a:rPr lang="en-GB" dirty="0"/>
-              <a:t>24</a:t>
-            </a:r>
-            <a:r>
-              <a:rPr lang="en-GB" baseline="30000" dirty="0"/>
-              <a:t>th</a:t>
-            </a:r>
-            <a:r>
-              <a:rPr lang="en-GB" dirty="0"/>
-              <a:t> August 2022</a:t>
+              <a:t>31st August 2022</a:t>
             </a:r>
           </a:p>
         </p:txBody>

--- a/MEMUGScotland-Resources/Slides/31st-August-2022.pptx
+++ b/MEMUGScotland-Resources/Slides/31st-August-2022.pptx
@@ -6,9 +6,12 @@
   </p:sldMasterIdLst>
   <p:sldIdLst>
     <p:sldId id="256" r:id="rId2"/>
-    <p:sldId id="257" r:id="rId3"/>
-    <p:sldId id="258" r:id="rId4"/>
-    <p:sldId id="259" r:id="rId5"/>
+    <p:sldId id="258" r:id="rId3"/>
+    <p:sldId id="257" r:id="rId4"/>
+    <p:sldId id="261" r:id="rId5"/>
+    <p:sldId id="264" r:id="rId6"/>
+    <p:sldId id="263" r:id="rId7"/>
+    <p:sldId id="262" r:id="rId8"/>
   </p:sldIdLst>
   <p:sldSz cx="12192000" cy="6858000"/>
   <p:notesSz cx="6858000" cy="9144000"/>
@@ -264,7 +267,7 @@
           <a:p>
             <a:fld id="{A90A183C-727B-435F-ADBC-0E3F935DCCBE}" type="datetimeFigureOut">
               <a:rPr lang="en-GB" smtClean="0"/>
-              <a:t>02/08/2022</a:t>
+              <a:t>31/08/2022</a:t>
             </a:fld>
             <a:endParaRPr lang="en-GB"/>
           </a:p>
@@ -464,7 +467,7 @@
           <a:p>
             <a:fld id="{A90A183C-727B-435F-ADBC-0E3F935DCCBE}" type="datetimeFigureOut">
               <a:rPr lang="en-GB" smtClean="0"/>
-              <a:t>02/08/2022</a:t>
+              <a:t>31/08/2022</a:t>
             </a:fld>
             <a:endParaRPr lang="en-GB"/>
           </a:p>
@@ -674,7 +677,7 @@
           <a:p>
             <a:fld id="{A90A183C-727B-435F-ADBC-0E3F935DCCBE}" type="datetimeFigureOut">
               <a:rPr lang="en-GB" smtClean="0"/>
-              <a:t>02/08/2022</a:t>
+              <a:t>31/08/2022</a:t>
             </a:fld>
             <a:endParaRPr lang="en-GB"/>
           </a:p>
@@ -874,7 +877,7 @@
           <a:p>
             <a:fld id="{A90A183C-727B-435F-ADBC-0E3F935DCCBE}" type="datetimeFigureOut">
               <a:rPr lang="en-GB" smtClean="0"/>
-              <a:t>02/08/2022</a:t>
+              <a:t>31/08/2022</a:t>
             </a:fld>
             <a:endParaRPr lang="en-GB"/>
           </a:p>
@@ -1150,7 +1153,7 @@
           <a:p>
             <a:fld id="{A90A183C-727B-435F-ADBC-0E3F935DCCBE}" type="datetimeFigureOut">
               <a:rPr lang="en-GB" smtClean="0"/>
-              <a:t>02/08/2022</a:t>
+              <a:t>31/08/2022</a:t>
             </a:fld>
             <a:endParaRPr lang="en-GB"/>
           </a:p>
@@ -1418,7 +1421,7 @@
           <a:p>
             <a:fld id="{A90A183C-727B-435F-ADBC-0E3F935DCCBE}" type="datetimeFigureOut">
               <a:rPr lang="en-GB" smtClean="0"/>
-              <a:t>02/08/2022</a:t>
+              <a:t>31/08/2022</a:t>
             </a:fld>
             <a:endParaRPr lang="en-GB"/>
           </a:p>
@@ -1833,7 +1836,7 @@
           <a:p>
             <a:fld id="{A90A183C-727B-435F-ADBC-0E3F935DCCBE}" type="datetimeFigureOut">
               <a:rPr lang="en-GB" smtClean="0"/>
-              <a:t>02/08/2022</a:t>
+              <a:t>31/08/2022</a:t>
             </a:fld>
             <a:endParaRPr lang="en-GB"/>
           </a:p>
@@ -1975,7 +1978,7 @@
           <a:p>
             <a:fld id="{A90A183C-727B-435F-ADBC-0E3F935DCCBE}" type="datetimeFigureOut">
               <a:rPr lang="en-GB" smtClean="0"/>
-              <a:t>02/08/2022</a:t>
+              <a:t>31/08/2022</a:t>
             </a:fld>
             <a:endParaRPr lang="en-GB"/>
           </a:p>
@@ -2088,7 +2091,7 @@
           <a:p>
             <a:fld id="{A90A183C-727B-435F-ADBC-0E3F935DCCBE}" type="datetimeFigureOut">
               <a:rPr lang="en-GB" smtClean="0"/>
-              <a:t>02/08/2022</a:t>
+              <a:t>31/08/2022</a:t>
             </a:fld>
             <a:endParaRPr lang="en-GB"/>
           </a:p>
@@ -2401,7 +2404,7 @@
           <a:p>
             <a:fld id="{A90A183C-727B-435F-ADBC-0E3F935DCCBE}" type="datetimeFigureOut">
               <a:rPr lang="en-GB" smtClean="0"/>
-              <a:t>02/08/2022</a:t>
+              <a:t>31/08/2022</a:t>
             </a:fld>
             <a:endParaRPr lang="en-GB"/>
           </a:p>
@@ -2690,7 +2693,7 @@
           <a:p>
             <a:fld id="{A90A183C-727B-435F-ADBC-0E3F935DCCBE}" type="datetimeFigureOut">
               <a:rPr lang="en-GB" smtClean="0"/>
-              <a:t>02/08/2022</a:t>
+              <a:t>31/08/2022</a:t>
             </a:fld>
             <a:endParaRPr lang="en-GB"/>
           </a:p>
@@ -2933,7 +2936,7 @@
           <a:p>
             <a:fld id="{A90A183C-727B-435F-ADBC-0E3F935DCCBE}" type="datetimeFigureOut">
               <a:rPr lang="en-GB" smtClean="0"/>
-              <a:t>02/08/2022</a:t>
+              <a:t>31/08/2022</a:t>
             </a:fld>
             <a:endParaRPr lang="en-GB"/>
           </a:p>
@@ -3350,76 +3353,12 @@
           <a:chExt cx="0" cy="0"/>
         </a:xfrm>
       </p:grpSpPr>
-      <p:sp>
-        <p:nvSpPr>
-          <p:cNvPr id="2" name="Title 1">
-            <a:extLst>
-              <a:ext uri="{FF2B5EF4-FFF2-40B4-BE49-F238E27FC236}">
-                <a16:creationId xmlns:a16="http://schemas.microsoft.com/office/drawing/2014/main" id="{7D8FF21A-6765-249B-8C49-13E398B0EDED}"/>
-              </a:ext>
-            </a:extLst>
-          </p:cNvPr>
-          <p:cNvSpPr>
-            <a:spLocks noGrp="1"/>
-          </p:cNvSpPr>
-          <p:nvPr>
-            <p:ph type="ctrTitle"/>
-          </p:nvPr>
-        </p:nvSpPr>
-        <p:spPr/>
-        <p:txBody>
-          <a:bodyPr/>
-          <a:lstStyle/>
-          <a:p>
-            <a:r>
-              <a:rPr lang="en-GB" dirty="0"/>
-              <a:t>MEMUG Scotland</a:t>
-            </a:r>
-          </a:p>
-        </p:txBody>
-      </p:sp>
-      <p:sp>
-        <p:nvSpPr>
-          <p:cNvPr id="3" name="Subtitle 2">
-            <a:extLst>
-              <a:ext uri="{FF2B5EF4-FFF2-40B4-BE49-F238E27FC236}">
-                <a16:creationId xmlns:a16="http://schemas.microsoft.com/office/drawing/2014/main" id="{62FB0995-8610-653A-05B3-3E6FA335A3D9}"/>
-              </a:ext>
-            </a:extLst>
-          </p:cNvPr>
-          <p:cNvSpPr>
-            <a:spLocks noGrp="1"/>
-          </p:cNvSpPr>
-          <p:nvPr>
-            <p:ph type="subTitle" idx="1"/>
-          </p:nvPr>
-        </p:nvSpPr>
-        <p:spPr/>
-        <p:txBody>
-          <a:bodyPr/>
-          <a:lstStyle/>
-          <a:p>
-            <a:r>
-              <a:rPr lang="en-GB" dirty="0"/>
-              <a:t>24</a:t>
-            </a:r>
-            <a:r>
-              <a:rPr lang="en-GB" baseline="30000" dirty="0"/>
-              <a:t>th</a:t>
-            </a:r>
-            <a:r>
-              <a:rPr lang="en-GB" dirty="0"/>
-              <a:t> August 2022</a:t>
-            </a:r>
-          </a:p>
-        </p:txBody>
-      </p:sp>
       <p:pic>
         <p:nvPicPr>
-          <p:cNvPr id="6" name="Picture 5" descr="A white cloud in the sky&#10;&#10;Description automatically generated with low confidence">
-            <a:extLst>
-              <a:ext uri="{FF2B5EF4-FFF2-40B4-BE49-F238E27FC236}">
-                <a16:creationId xmlns:a16="http://schemas.microsoft.com/office/drawing/2014/main" id="{3A7857EC-4404-F7C8-CD24-CB658DF9BEAE}"/>
+          <p:cNvPr id="8" name="Picture 7" descr="A cityscape at night&#10;&#10;Description automatically generated with low confidence">
+            <a:extLst>
+              <a:ext uri="{FF2B5EF4-FFF2-40B4-BE49-F238E27FC236}">
+                <a16:creationId xmlns:a16="http://schemas.microsoft.com/office/drawing/2014/main" id="{A5CD060B-F948-807F-9632-C712EA8810DD}"/>
               </a:ext>
             </a:extLst>
           </p:cNvPr>
@@ -3442,8 +3381,8 @@
         </p:blipFill>
         <p:spPr>
           <a:xfrm>
-            <a:off x="4470290" y="4001386"/>
-            <a:ext cx="609600" cy="609600"/>
+            <a:off x="0" y="3953375"/>
+            <a:ext cx="12192000" cy="3131820"/>
           </a:xfrm>
           <a:prstGeom prst="rect">
             <a:avLst/>
@@ -3452,45 +3391,76 @@
       </p:pic>
       <p:sp>
         <p:nvSpPr>
-          <p:cNvPr id="7" name="TextBox 6">
-            <a:extLst>
-              <a:ext uri="{FF2B5EF4-FFF2-40B4-BE49-F238E27FC236}">
-                <a16:creationId xmlns:a16="http://schemas.microsoft.com/office/drawing/2014/main" id="{7B010207-733B-8919-B081-B3281341934A}"/>
-              </a:ext>
-            </a:extLst>
-          </p:cNvPr>
-          <p:cNvSpPr txBox="1"/>
-          <p:nvPr/>
-        </p:nvSpPr>
-        <p:spPr>
-          <a:xfrm>
-            <a:off x="5079890" y="4121520"/>
-            <a:ext cx="1926810" cy="369332"/>
-          </a:xfrm>
-          <a:prstGeom prst="rect">
-            <a:avLst/>
-          </a:prstGeom>
-          <a:noFill/>
-        </p:spPr>
-        <p:txBody>
-          <a:bodyPr wrap="none" rtlCol="0">
-            <a:spAutoFit/>
-          </a:bodyPr>
+          <p:cNvPr id="2" name="Title 1">
+            <a:extLst>
+              <a:ext uri="{FF2B5EF4-FFF2-40B4-BE49-F238E27FC236}">
+                <a16:creationId xmlns:a16="http://schemas.microsoft.com/office/drawing/2014/main" id="{7D8FF21A-6765-249B-8C49-13E398B0EDED}"/>
+              </a:ext>
+            </a:extLst>
+          </p:cNvPr>
+          <p:cNvSpPr>
+            <a:spLocks noGrp="1"/>
+          </p:cNvSpPr>
+          <p:nvPr>
+            <p:ph type="ctrTitle"/>
+          </p:nvPr>
+        </p:nvSpPr>
+        <p:spPr>
+          <a:xfrm>
+            <a:off x="1481041" y="711880"/>
+            <a:ext cx="9144000" cy="993829"/>
+          </a:xfrm>
+        </p:spPr>
+        <p:txBody>
+          <a:bodyPr/>
           <a:lstStyle/>
           <a:p>
             <a:r>
               <a:rPr lang="en-GB" dirty="0"/>
-              <a:t>@MemugScotland</a:t>
+              <a:t>MEMUG Scotland</a:t>
+            </a:r>
+          </a:p>
+        </p:txBody>
+      </p:sp>
+      <p:sp>
+        <p:nvSpPr>
+          <p:cNvPr id="3" name="Subtitle 2">
+            <a:extLst>
+              <a:ext uri="{FF2B5EF4-FFF2-40B4-BE49-F238E27FC236}">
+                <a16:creationId xmlns:a16="http://schemas.microsoft.com/office/drawing/2014/main" id="{62FB0995-8610-653A-05B3-3E6FA335A3D9}"/>
+              </a:ext>
+            </a:extLst>
+          </p:cNvPr>
+          <p:cNvSpPr>
+            <a:spLocks noGrp="1"/>
+          </p:cNvSpPr>
+          <p:nvPr>
+            <p:ph type="subTitle" idx="1"/>
+          </p:nvPr>
+        </p:nvSpPr>
+        <p:spPr>
+          <a:xfrm>
+            <a:off x="1524000" y="1773238"/>
+            <a:ext cx="9144000" cy="503557"/>
+          </a:xfrm>
+        </p:spPr>
+        <p:txBody>
+          <a:bodyPr/>
+          <a:lstStyle/>
+          <a:p>
+            <a:r>
+              <a:rPr lang="en-GB" dirty="0"/>
+              <a:t>31st August 2022</a:t>
             </a:r>
           </a:p>
         </p:txBody>
       </p:sp>
       <p:pic>
         <p:nvPicPr>
-          <p:cNvPr id="8" name="Picture 7" descr="A cityscape at night&#10;&#10;Description automatically generated with low confidence">
-            <a:extLst>
-              <a:ext uri="{FF2B5EF4-FFF2-40B4-BE49-F238E27FC236}">
-                <a16:creationId xmlns:a16="http://schemas.microsoft.com/office/drawing/2014/main" id="{A5CD060B-F948-807F-9632-C712EA8810DD}"/>
+          <p:cNvPr id="6" name="Picture 5" descr="A white cloud in the sky&#10;&#10;Description automatically generated with low confidence">
+            <a:extLst>
+              <a:ext uri="{FF2B5EF4-FFF2-40B4-BE49-F238E27FC236}">
+                <a16:creationId xmlns:a16="http://schemas.microsoft.com/office/drawing/2014/main" id="{3A7857EC-4404-F7C8-CD24-CB658DF9BEAE}"/>
               </a:ext>
             </a:extLst>
           </p:cNvPr>
@@ -3513,14 +3483,120 @@
         </p:blipFill>
         <p:spPr>
           <a:xfrm>
-            <a:off x="0" y="3953375"/>
-            <a:ext cx="12192000" cy="3131820"/>
+            <a:off x="4844642" y="2219942"/>
+            <a:ext cx="609600" cy="609600"/>
           </a:xfrm>
           <a:prstGeom prst="rect">
             <a:avLst/>
           </a:prstGeom>
         </p:spPr>
       </p:pic>
+      <p:sp>
+        <p:nvSpPr>
+          <p:cNvPr id="7" name="TextBox 6">
+            <a:extLst>
+              <a:ext uri="{FF2B5EF4-FFF2-40B4-BE49-F238E27FC236}">
+                <a16:creationId xmlns:a16="http://schemas.microsoft.com/office/drawing/2014/main" id="{7B010207-733B-8919-B081-B3281341934A}"/>
+              </a:ext>
+            </a:extLst>
+          </p:cNvPr>
+          <p:cNvSpPr txBox="1"/>
+          <p:nvPr/>
+        </p:nvSpPr>
+        <p:spPr>
+          <a:xfrm>
+            <a:off x="5454242" y="2340076"/>
+            <a:ext cx="1926810" cy="369332"/>
+          </a:xfrm>
+          <a:prstGeom prst="rect">
+            <a:avLst/>
+          </a:prstGeom>
+          <a:noFill/>
+        </p:spPr>
+        <p:txBody>
+          <a:bodyPr wrap="none" rtlCol="0">
+            <a:spAutoFit/>
+          </a:bodyPr>
+          <a:lstStyle/>
+          <a:p>
+            <a:r>
+              <a:rPr lang="en-GB" dirty="0"/>
+              <a:t>@MemugScotland</a:t>
+            </a:r>
+          </a:p>
+        </p:txBody>
+      </p:sp>
+      <p:pic>
+        <p:nvPicPr>
+          <p:cNvPr id="5" name="Picture 4" descr="Shape&#10;&#10;Description automatically generated with low confidence">
+            <a:extLst>
+              <a:ext uri="{FF2B5EF4-FFF2-40B4-BE49-F238E27FC236}">
+                <a16:creationId xmlns:a16="http://schemas.microsoft.com/office/drawing/2014/main" id="{4D2A7D42-A55F-2EBC-A2B0-34086FEFEBB0}"/>
+              </a:ext>
+            </a:extLst>
+          </p:cNvPr>
+          <p:cNvPicPr>
+            <a:picLocks noChangeAspect="1"/>
+          </p:cNvPicPr>
+          <p:nvPr/>
+        </p:nvPicPr>
+        <p:blipFill>
+          <a:blip r:embed="rId4">
+            <a:extLst>
+              <a:ext uri="{28A0092B-C50C-407E-A947-70E740481C1C}">
+                <a14:useLocalDpi xmlns:a14="http://schemas.microsoft.com/office/drawing/2010/main" val="0"/>
+              </a:ext>
+            </a:extLst>
+          </a:blip>
+          <a:stretch>
+            <a:fillRect/>
+          </a:stretch>
+        </p:blipFill>
+        <p:spPr>
+          <a:xfrm>
+            <a:off x="4774906" y="2829542"/>
+            <a:ext cx="746077" cy="746077"/>
+          </a:xfrm>
+          <a:prstGeom prst="rect">
+            <a:avLst/>
+          </a:prstGeom>
+        </p:spPr>
+      </p:pic>
+      <p:sp>
+        <p:nvSpPr>
+          <p:cNvPr id="9" name="TextBox 8">
+            <a:extLst>
+              <a:ext uri="{FF2B5EF4-FFF2-40B4-BE49-F238E27FC236}">
+                <a16:creationId xmlns:a16="http://schemas.microsoft.com/office/drawing/2014/main" id="{7CFA056A-DB11-2625-7191-E72E3C722727}"/>
+              </a:ext>
+            </a:extLst>
+          </p:cNvPr>
+          <p:cNvSpPr txBox="1"/>
+          <p:nvPr/>
+        </p:nvSpPr>
+        <p:spPr>
+          <a:xfrm>
+            <a:off x="5454242" y="3017914"/>
+            <a:ext cx="2064540" cy="369332"/>
+          </a:xfrm>
+          <a:prstGeom prst="rect">
+            <a:avLst/>
+          </a:prstGeom>
+          <a:noFill/>
+        </p:spPr>
+        <p:txBody>
+          <a:bodyPr wrap="none" rtlCol="0">
+            <a:spAutoFit/>
+          </a:bodyPr>
+          <a:lstStyle/>
+          <a:p>
+            <a:r>
+              <a:rPr lang="en-GB" dirty="0"/>
+              <a:t>https://memug.scot</a:t>
+            </a:r>
+          </a:p>
+        </p:txBody>
+      </p:sp>
     </p:spTree>
     <p:extLst>
       <p:ext uri="{BB962C8B-B14F-4D97-AF65-F5344CB8AC3E}">
@@ -3570,83 +3646,28 @@
         <p:spPr>
           <a:xfrm>
             <a:off x="0" y="0"/>
-            <a:ext cx="3177209" cy="944976"/>
-          </a:xfrm>
-        </p:spPr>
-        <p:txBody>
-          <a:bodyPr/>
+            <a:ext cx="5295900" cy="944976"/>
+          </a:xfrm>
+        </p:spPr>
+        <p:txBody>
+          <a:bodyPr>
+            <a:normAutofit fontScale="90000"/>
+          </a:bodyPr>
           <a:lstStyle/>
           <a:p>
             <a:r>
               <a:rPr lang="en-GB" dirty="0"/>
-              <a:t>Agenda</a:t>
-            </a:r>
-          </a:p>
-        </p:txBody>
-      </p:sp>
-      <p:sp>
-        <p:nvSpPr>
-          <p:cNvPr id="3" name="Subtitle 2">
-            <a:extLst>
-              <a:ext uri="{FF2B5EF4-FFF2-40B4-BE49-F238E27FC236}">
-                <a16:creationId xmlns:a16="http://schemas.microsoft.com/office/drawing/2014/main" id="{62FB0995-8610-653A-05B3-3E6FA335A3D9}"/>
-              </a:ext>
-            </a:extLst>
-          </p:cNvPr>
-          <p:cNvSpPr>
-            <a:spLocks noGrp="1"/>
-          </p:cNvSpPr>
-          <p:nvPr>
-            <p:ph type="subTitle" idx="1"/>
-          </p:nvPr>
-        </p:nvSpPr>
-        <p:spPr>
-          <a:xfrm>
-            <a:off x="1273825" y="944976"/>
-            <a:ext cx="11353800" cy="1655762"/>
-          </a:xfrm>
-        </p:spPr>
-        <p:txBody>
-          <a:bodyPr/>
-          <a:lstStyle/>
-          <a:p>
-            <a:pPr marL="342900" indent="-342900" algn="l">
-              <a:buFont typeface="Arial" panose="020B0604020202020204" pitchFamily="34" charset="0"/>
-              <a:buChar char="•"/>
-            </a:pPr>
-            <a:r>
-              <a:rPr lang="en-GB" dirty="0"/>
-              <a:t>18:30 - 18:45 - Arrival and check-in</a:t>
-            </a:r>
-          </a:p>
-          <a:p>
-            <a:pPr marL="342900" indent="-342900" algn="l">
-              <a:buFont typeface="Arial" panose="020B0604020202020204" pitchFamily="34" charset="0"/>
-              <a:buChar char="•"/>
-            </a:pPr>
-            <a:r>
-              <a:rPr lang="en-GB" dirty="0"/>
-              <a:t>18:45 - 19:30 - Steven Hosking – Why Intune Filters &gt; AAD Dynamic Groups</a:t>
-            </a:r>
-          </a:p>
-          <a:p>
-            <a:pPr marL="342900" indent="-342900" algn="l">
-              <a:buFont typeface="Arial" panose="020B0604020202020204" pitchFamily="34" charset="0"/>
-              <a:buChar char="•"/>
-            </a:pPr>
-            <a:r>
-              <a:rPr lang="en-GB" dirty="0"/>
-              <a:t>19:30 - 20:00 - Refreshments</a:t>
+              <a:t>Sponsors + Thanks</a:t>
             </a:r>
           </a:p>
         </p:txBody>
       </p:sp>
       <p:pic>
         <p:nvPicPr>
-          <p:cNvPr id="6" name="Picture 5" descr="A cityscape at night&#10;&#10;Description automatically generated with low confidence">
-            <a:extLst>
-              <a:ext uri="{FF2B5EF4-FFF2-40B4-BE49-F238E27FC236}">
-                <a16:creationId xmlns:a16="http://schemas.microsoft.com/office/drawing/2014/main" id="{FE3851C8-791A-AC38-5A0D-B8EFB6BB9E51}"/>
+          <p:cNvPr id="10" name="Picture 9" descr="A black screen with white text&#10;&#10;Description automatically generated with low confidence">
+            <a:extLst>
+              <a:ext uri="{FF2B5EF4-FFF2-40B4-BE49-F238E27FC236}">
+                <a16:creationId xmlns:a16="http://schemas.microsoft.com/office/drawing/2014/main" id="{56759D40-491F-9EE9-06FB-DCBE279F46E9}"/>
               </a:ext>
             </a:extLst>
           </p:cNvPr>
@@ -3669,8 +3690,117 @@
         </p:blipFill>
         <p:spPr>
           <a:xfrm>
+            <a:off x="5800725" y="2075047"/>
+            <a:ext cx="5996076" cy="1353953"/>
+          </a:xfrm>
+          <a:prstGeom prst="rect">
+            <a:avLst/>
+          </a:prstGeom>
+        </p:spPr>
+      </p:pic>
+      <p:pic>
+        <p:nvPicPr>
+          <p:cNvPr id="4" name="Picture 3" descr="A cityscape at night&#10;&#10;Description automatically generated with low confidence">
+            <a:extLst>
+              <a:ext uri="{FF2B5EF4-FFF2-40B4-BE49-F238E27FC236}">
+                <a16:creationId xmlns:a16="http://schemas.microsoft.com/office/drawing/2014/main" id="{006A74C0-BB05-FC35-B406-58C6D2188763}"/>
+              </a:ext>
+            </a:extLst>
+          </p:cNvPr>
+          <p:cNvPicPr>
+            <a:picLocks noChangeAspect="1"/>
+          </p:cNvPicPr>
+          <p:nvPr/>
+        </p:nvPicPr>
+        <p:blipFill>
+          <a:blip r:embed="rId3">
+            <a:extLst>
+              <a:ext uri="{28A0092B-C50C-407E-A947-70E740481C1C}">
+                <a14:useLocalDpi xmlns:a14="http://schemas.microsoft.com/office/drawing/2010/main" val="0"/>
+              </a:ext>
+            </a:extLst>
+          </a:blip>
+          <a:stretch>
+            <a:fillRect/>
+          </a:stretch>
+        </p:blipFill>
+        <p:spPr>
+          <a:xfrm>
             <a:off x="0" y="3953375"/>
             <a:ext cx="12192000" cy="3131820"/>
+          </a:xfrm>
+          <a:prstGeom prst="rect">
+            <a:avLst/>
+          </a:prstGeom>
+        </p:spPr>
+      </p:pic>
+      <p:cxnSp>
+        <p:nvCxnSpPr>
+          <p:cNvPr id="5" name="Straight Connector 4">
+            <a:extLst>
+              <a:ext uri="{FF2B5EF4-FFF2-40B4-BE49-F238E27FC236}">
+                <a16:creationId xmlns:a16="http://schemas.microsoft.com/office/drawing/2014/main" id="{82CE48A2-716C-B535-6078-04AF8074B3ED}"/>
+              </a:ext>
+            </a:extLst>
+          </p:cNvPr>
+          <p:cNvCxnSpPr/>
+          <p:nvPr/>
+        </p:nvCxnSpPr>
+        <p:spPr>
+          <a:xfrm flipV="1">
+            <a:off x="131311" y="874355"/>
+            <a:ext cx="11755889" cy="11442"/>
+          </a:xfrm>
+          <a:prstGeom prst="line">
+            <a:avLst/>
+          </a:prstGeom>
+          <a:ln w="25400"/>
+        </p:spPr>
+        <p:style>
+          <a:lnRef idx="1">
+            <a:schemeClr val="dk1"/>
+          </a:lnRef>
+          <a:fillRef idx="0">
+            <a:schemeClr val="dk1"/>
+          </a:fillRef>
+          <a:effectRef idx="0">
+            <a:schemeClr val="dk1"/>
+          </a:effectRef>
+          <a:fontRef idx="minor">
+            <a:schemeClr val="tx1"/>
+          </a:fontRef>
+        </p:style>
+      </p:cxnSp>
+      <p:pic>
+        <p:nvPicPr>
+          <p:cNvPr id="8" name="Picture 7" descr="Logo, company name&#10;&#10;Description automatically generated">
+            <a:extLst>
+              <a:ext uri="{FF2B5EF4-FFF2-40B4-BE49-F238E27FC236}">
+                <a16:creationId xmlns:a16="http://schemas.microsoft.com/office/drawing/2014/main" id="{D516EA63-D833-55DC-2CEC-FC445EB30A16}"/>
+              </a:ext>
+            </a:extLst>
+          </p:cNvPr>
+          <p:cNvPicPr>
+            <a:picLocks noChangeAspect="1"/>
+          </p:cNvPicPr>
+          <p:nvPr/>
+        </p:nvPicPr>
+        <p:blipFill>
+          <a:blip r:embed="rId4">
+            <a:extLst>
+              <a:ext uri="{28A0092B-C50C-407E-A947-70E740481C1C}">
+                <a14:useLocalDpi xmlns:a14="http://schemas.microsoft.com/office/drawing/2010/main" val="0"/>
+              </a:ext>
+            </a:extLst>
+          </a:blip>
+          <a:stretch>
+            <a:fillRect/>
+          </a:stretch>
+        </p:blipFill>
+        <p:spPr>
+          <a:xfrm>
+            <a:off x="587288" y="874355"/>
+            <a:ext cx="4121324" cy="4121324"/>
           </a:xfrm>
           <a:prstGeom prst="rect">
             <a:avLst/>
@@ -3680,7 +3810,7 @@
     </p:spTree>
     <p:extLst>
       <p:ext uri="{BB962C8B-B14F-4D97-AF65-F5344CB8AC3E}">
-        <p14:creationId xmlns:p14="http://schemas.microsoft.com/office/powerpoint/2010/main" val="2410480766"/>
+        <p14:creationId xmlns:p14="http://schemas.microsoft.com/office/powerpoint/2010/main" val="3607612329"/>
       </p:ext>
     </p:extLst>
   </p:cSld>
@@ -3725,29 +3855,84 @@
         </p:nvSpPr>
         <p:spPr>
           <a:xfrm>
-            <a:off x="0" y="0"/>
-            <a:ext cx="5295900" cy="944976"/>
-          </a:xfrm>
-        </p:spPr>
-        <p:txBody>
-          <a:bodyPr>
-            <a:normAutofit fontScale="90000"/>
-          </a:bodyPr>
+            <a:off x="-304800" y="0"/>
+            <a:ext cx="3177209" cy="944976"/>
+          </a:xfrm>
+        </p:spPr>
+        <p:txBody>
+          <a:bodyPr/>
           <a:lstStyle/>
           <a:p>
             <a:r>
               <a:rPr lang="en-GB" dirty="0"/>
-              <a:t>Sponsors + Thanks</a:t>
+              <a:t>Agenda</a:t>
+            </a:r>
+          </a:p>
+        </p:txBody>
+      </p:sp>
+      <p:sp>
+        <p:nvSpPr>
+          <p:cNvPr id="3" name="Subtitle 2">
+            <a:extLst>
+              <a:ext uri="{FF2B5EF4-FFF2-40B4-BE49-F238E27FC236}">
+                <a16:creationId xmlns:a16="http://schemas.microsoft.com/office/drawing/2014/main" id="{62FB0995-8610-653A-05B3-3E6FA335A3D9}"/>
+              </a:ext>
+            </a:extLst>
+          </p:cNvPr>
+          <p:cNvSpPr>
+            <a:spLocks noGrp="1"/>
+          </p:cNvSpPr>
+          <p:nvPr>
+            <p:ph type="subTitle" idx="1"/>
+          </p:nvPr>
+        </p:nvSpPr>
+        <p:spPr>
+          <a:xfrm>
+            <a:off x="647860" y="1650884"/>
+            <a:ext cx="10416994" cy="1655762"/>
+          </a:xfrm>
+        </p:spPr>
+        <p:txBody>
+          <a:bodyPr/>
+          <a:lstStyle/>
+          <a:p>
+            <a:pPr marL="342900" indent="-342900" algn="l">
+              <a:buFont typeface="Arial" panose="020B0604020202020204" pitchFamily="34" charset="0"/>
+              <a:buChar char="•"/>
+            </a:pPr>
+            <a:r>
+              <a:rPr lang="en-GB" dirty="0"/>
+              <a:t>18:30 - 18:45 - Arrival and check-in</a:t>
+            </a:r>
+          </a:p>
+          <a:p>
+            <a:pPr marL="342900" indent="-342900" algn="l">
+              <a:buFont typeface="Arial" panose="020B0604020202020204" pitchFamily="34" charset="0"/>
+              <a:buChar char="•"/>
+            </a:pPr>
+            <a:r>
+              <a:rPr lang="en-GB" dirty="0"/>
+              <a:t>18:45 - 19:30 - Steven Hosking – Why Intune Filters &gt; AAD Dynamic Groups</a:t>
+            </a:r>
+          </a:p>
+          <a:p>
+            <a:pPr marL="342900" indent="-342900" algn="l">
+              <a:buFont typeface="Arial" panose="020B0604020202020204" pitchFamily="34" charset="0"/>
+              <a:buChar char="•"/>
+            </a:pPr>
+            <a:r>
+              <a:rPr lang="en-GB" dirty="0"/>
+              <a:t>19:30 - 20:00 - Refreshments</a:t>
             </a:r>
           </a:p>
         </p:txBody>
       </p:sp>
       <p:pic>
         <p:nvPicPr>
-          <p:cNvPr id="8" name="Picture 7" descr="Logo, company name&#10;&#10;Description automatically generated">
-            <a:extLst>
-              <a:ext uri="{FF2B5EF4-FFF2-40B4-BE49-F238E27FC236}">
-                <a16:creationId xmlns:a16="http://schemas.microsoft.com/office/drawing/2014/main" id="{D516EA63-D833-55DC-2CEC-FC445EB30A16}"/>
+          <p:cNvPr id="6" name="Picture 5" descr="A cityscape at night&#10;&#10;Description automatically generated with low confidence">
+            <a:extLst>
+              <a:ext uri="{FF2B5EF4-FFF2-40B4-BE49-F238E27FC236}">
+                <a16:creationId xmlns:a16="http://schemas.microsoft.com/office/drawing/2014/main" id="{FE3851C8-791A-AC38-5A0D-B8EFB6BB9E51}"/>
               </a:ext>
             </a:extLst>
           </p:cNvPr>
@@ -3770,90 +3955,55 @@
         </p:blipFill>
         <p:spPr>
           <a:xfrm>
-            <a:off x="866775" y="470785"/>
-            <a:ext cx="4562475" cy="4562475"/>
+            <a:off x="0" y="3953375"/>
+            <a:ext cx="12192000" cy="3131820"/>
           </a:xfrm>
           <a:prstGeom prst="rect">
             <a:avLst/>
           </a:prstGeom>
         </p:spPr>
       </p:pic>
-      <p:pic>
-        <p:nvPicPr>
-          <p:cNvPr id="10" name="Picture 9" descr="A black screen with white text&#10;&#10;Description automatically generated with low confidence">
-            <a:extLst>
-              <a:ext uri="{FF2B5EF4-FFF2-40B4-BE49-F238E27FC236}">
-                <a16:creationId xmlns:a16="http://schemas.microsoft.com/office/drawing/2014/main" id="{56759D40-491F-9EE9-06FB-DCBE279F46E9}"/>
-              </a:ext>
-            </a:extLst>
-          </p:cNvPr>
-          <p:cNvPicPr>
-            <a:picLocks noChangeAspect="1"/>
-          </p:cNvPicPr>
+      <p:cxnSp>
+        <p:nvCxnSpPr>
+          <p:cNvPr id="5" name="Straight Connector 4">
+            <a:extLst>
+              <a:ext uri="{FF2B5EF4-FFF2-40B4-BE49-F238E27FC236}">
+                <a16:creationId xmlns:a16="http://schemas.microsoft.com/office/drawing/2014/main" id="{BBEC4171-71A7-158C-A45A-8A6E3B0D2E50}"/>
+              </a:ext>
+            </a:extLst>
+          </p:cNvPr>
+          <p:cNvCxnSpPr/>
           <p:nvPr/>
-        </p:nvPicPr>
-        <p:blipFill>
-          <a:blip r:embed="rId3">
-            <a:extLst>
-              <a:ext uri="{28A0092B-C50C-407E-A947-70E740481C1C}">
-                <a14:useLocalDpi xmlns:a14="http://schemas.microsoft.com/office/drawing/2010/main" val="0"/>
-              </a:ext>
-            </a:extLst>
-          </a:blip>
-          <a:stretch>
-            <a:fillRect/>
-          </a:stretch>
-        </p:blipFill>
-        <p:spPr>
-          <a:xfrm>
-            <a:off x="5800725" y="2075047"/>
-            <a:ext cx="5996076" cy="1353953"/>
-          </a:xfrm>
-          <a:prstGeom prst="rect">
+        </p:nvCxnSpPr>
+        <p:spPr>
+          <a:xfrm flipV="1">
+            <a:off x="131311" y="874355"/>
+            <a:ext cx="11755889" cy="11442"/>
+          </a:xfrm>
+          <a:prstGeom prst="line">
             <a:avLst/>
           </a:prstGeom>
-        </p:spPr>
-      </p:pic>
-      <p:pic>
-        <p:nvPicPr>
-          <p:cNvPr id="4" name="Picture 3" descr="A cityscape at night&#10;&#10;Description automatically generated with low confidence">
-            <a:extLst>
-              <a:ext uri="{FF2B5EF4-FFF2-40B4-BE49-F238E27FC236}">
-                <a16:creationId xmlns:a16="http://schemas.microsoft.com/office/drawing/2014/main" id="{006A74C0-BB05-FC35-B406-58C6D2188763}"/>
-              </a:ext>
-            </a:extLst>
-          </p:cNvPr>
-          <p:cNvPicPr>
-            <a:picLocks noChangeAspect="1"/>
-          </p:cNvPicPr>
-          <p:nvPr/>
-        </p:nvPicPr>
-        <p:blipFill>
-          <a:blip r:embed="rId4">
-            <a:extLst>
-              <a:ext uri="{28A0092B-C50C-407E-A947-70E740481C1C}">
-                <a14:useLocalDpi xmlns:a14="http://schemas.microsoft.com/office/drawing/2010/main" val="0"/>
-              </a:ext>
-            </a:extLst>
-          </a:blip>
-          <a:stretch>
-            <a:fillRect/>
-          </a:stretch>
-        </p:blipFill>
-        <p:spPr>
-          <a:xfrm>
-            <a:off x="0" y="3953375"/>
-            <a:ext cx="12192000" cy="3131820"/>
-          </a:xfrm>
-          <a:prstGeom prst="rect">
-            <a:avLst/>
-          </a:prstGeom>
-        </p:spPr>
-      </p:pic>
+          <a:ln w="25400"/>
+        </p:spPr>
+        <p:style>
+          <a:lnRef idx="1">
+            <a:schemeClr val="dk1"/>
+          </a:lnRef>
+          <a:fillRef idx="0">
+            <a:schemeClr val="dk1"/>
+          </a:fillRef>
+          <a:effectRef idx="0">
+            <a:schemeClr val="dk1"/>
+          </a:effectRef>
+          <a:fontRef idx="minor">
+            <a:schemeClr val="tx1"/>
+          </a:fontRef>
+        </p:style>
+      </p:cxnSp>
     </p:spTree>
     <p:extLst>
       <p:ext uri="{BB962C8B-B14F-4D97-AF65-F5344CB8AC3E}">
-        <p14:creationId xmlns:p14="http://schemas.microsoft.com/office/powerpoint/2010/main" val="3607612329"/>
+        <p14:creationId xmlns:p14="http://schemas.microsoft.com/office/powerpoint/2010/main" val="2410480766"/>
       </p:ext>
     </p:extLst>
   </p:cSld>
@@ -3880,47 +4030,454 @@
           <a:chExt cx="0" cy="0"/>
         </a:xfrm>
       </p:grpSpPr>
-      <p:sp>
-        <p:nvSpPr>
-          <p:cNvPr id="2" name="Title 1">
-            <a:extLst>
-              <a:ext uri="{FF2B5EF4-FFF2-40B4-BE49-F238E27FC236}">
-                <a16:creationId xmlns:a16="http://schemas.microsoft.com/office/drawing/2014/main" id="{7D8FF21A-6765-249B-8C49-13E398B0EDED}"/>
-              </a:ext>
-            </a:extLst>
-          </p:cNvPr>
-          <p:cNvSpPr>
-            <a:spLocks noGrp="1"/>
-          </p:cNvSpPr>
-          <p:nvPr>
-            <p:ph type="ctrTitle"/>
-          </p:nvPr>
-        </p:nvSpPr>
-        <p:spPr>
-          <a:xfrm>
-            <a:off x="0" y="0"/>
-            <a:ext cx="2952750" cy="944976"/>
-          </a:xfrm>
-        </p:spPr>
-        <p:txBody>
-          <a:bodyPr>
+      <p:pic>
+        <p:nvPicPr>
+          <p:cNvPr id="5" name="Picture 4">
+            <a:extLst>
+              <a:ext uri="{FF2B5EF4-FFF2-40B4-BE49-F238E27FC236}">
+                <a16:creationId xmlns:a16="http://schemas.microsoft.com/office/drawing/2014/main" id="{E40E6607-F466-08A6-3875-4AC215A5AA95}"/>
+              </a:ext>
+            </a:extLst>
+          </p:cNvPr>
+          <p:cNvPicPr>
+            <a:picLocks noChangeAspect="1"/>
+          </p:cNvPicPr>
+          <p:nvPr/>
+        </p:nvPicPr>
+        <p:blipFill rotWithShape="1">
+          <a:blip r:embed="rId2">
+            <a:extLst>
+              <a:ext uri="{28A0092B-C50C-407E-A947-70E740481C1C}">
+                <a14:useLocalDpi xmlns:a14="http://schemas.microsoft.com/office/drawing/2010/main" val="0"/>
+              </a:ext>
+            </a:extLst>
+          </a:blip>
+          <a:srcRect t="1384" b="430"/>
+          <a:stretch/>
+        </p:blipFill>
+        <p:spPr>
+          <a:xfrm>
+            <a:off x="2921594" y="1964066"/>
+            <a:ext cx="2083025" cy="2639887"/>
+          </a:xfrm>
+          <a:prstGeom prst="ellipse">
+            <a:avLst/>
+          </a:prstGeom>
+        </p:spPr>
+      </p:pic>
+      <p:sp>
+        <p:nvSpPr>
+          <p:cNvPr id="6" name="Subtitle 2">
+            <a:extLst>
+              <a:ext uri="{FF2B5EF4-FFF2-40B4-BE49-F238E27FC236}">
+                <a16:creationId xmlns:a16="http://schemas.microsoft.com/office/drawing/2014/main" id="{8291C73A-4E78-0EF7-61B5-72D388B74354}"/>
+              </a:ext>
+            </a:extLst>
+          </p:cNvPr>
+          <p:cNvSpPr txBox="1">
+            <a:spLocks/>
+          </p:cNvSpPr>
+          <p:nvPr/>
+        </p:nvSpPr>
+        <p:spPr>
+          <a:xfrm>
+            <a:off x="131311" y="1061502"/>
+            <a:ext cx="4986874" cy="1484818"/>
+          </a:xfrm>
+          <a:prstGeom prst="rect">
+            <a:avLst/>
+          </a:prstGeom>
+        </p:spPr>
+        <p:txBody>
+          <a:bodyPr vert="horz" lIns="91440" tIns="45720" rIns="91440" bIns="45720" rtlCol="0">
+            <a:normAutofit lnSpcReduction="10000"/>
+          </a:bodyPr>
+          <a:lstStyle>
+            <a:lvl1pPr marL="0" indent="0" algn="ctr" defTabSz="914400" rtl="0" eaLnBrk="1" latinLnBrk="0" hangingPunct="1">
+              <a:lnSpc>
+                <a:spcPct val="90000"/>
+              </a:lnSpc>
+              <a:spcBef>
+                <a:spcPts val="1000"/>
+              </a:spcBef>
+              <a:buFont typeface="Arial" panose="020B0604020202020204" pitchFamily="34" charset="0"/>
+              <a:buNone/>
+              <a:defRPr sz="2400" kern="1200">
+                <a:solidFill>
+                  <a:schemeClr val="tx1"/>
+                </a:solidFill>
+                <a:latin typeface="+mn-lt"/>
+                <a:ea typeface="+mn-ea"/>
+                <a:cs typeface="+mn-cs"/>
+              </a:defRPr>
+            </a:lvl1pPr>
+            <a:lvl2pPr marL="457200" indent="0" algn="ctr" defTabSz="914400" rtl="0" eaLnBrk="1" latinLnBrk="0" hangingPunct="1">
+              <a:lnSpc>
+                <a:spcPct val="90000"/>
+              </a:lnSpc>
+              <a:spcBef>
+                <a:spcPts val="500"/>
+              </a:spcBef>
+              <a:buFont typeface="Arial" panose="020B0604020202020204" pitchFamily="34" charset="0"/>
+              <a:buNone/>
+              <a:defRPr sz="2000" kern="1200">
+                <a:solidFill>
+                  <a:schemeClr val="tx1"/>
+                </a:solidFill>
+                <a:latin typeface="+mn-lt"/>
+                <a:ea typeface="+mn-ea"/>
+                <a:cs typeface="+mn-cs"/>
+              </a:defRPr>
+            </a:lvl2pPr>
+            <a:lvl3pPr marL="914400" indent="0" algn="ctr" defTabSz="914400" rtl="0" eaLnBrk="1" latinLnBrk="0" hangingPunct="1">
+              <a:lnSpc>
+                <a:spcPct val="90000"/>
+              </a:lnSpc>
+              <a:spcBef>
+                <a:spcPts val="500"/>
+              </a:spcBef>
+              <a:buFont typeface="Arial" panose="020B0604020202020204" pitchFamily="34" charset="0"/>
+              <a:buNone/>
+              <a:defRPr sz="1800" kern="1200">
+                <a:solidFill>
+                  <a:schemeClr val="tx1"/>
+                </a:solidFill>
+                <a:latin typeface="+mn-lt"/>
+                <a:ea typeface="+mn-ea"/>
+                <a:cs typeface="+mn-cs"/>
+              </a:defRPr>
+            </a:lvl3pPr>
+            <a:lvl4pPr marL="1371600" indent="0" algn="ctr" defTabSz="914400" rtl="0" eaLnBrk="1" latinLnBrk="0" hangingPunct="1">
+              <a:lnSpc>
+                <a:spcPct val="90000"/>
+              </a:lnSpc>
+              <a:spcBef>
+                <a:spcPts val="500"/>
+              </a:spcBef>
+              <a:buFont typeface="Arial" panose="020B0604020202020204" pitchFamily="34" charset="0"/>
+              <a:buNone/>
+              <a:defRPr sz="1600" kern="1200">
+                <a:solidFill>
+                  <a:schemeClr val="tx1"/>
+                </a:solidFill>
+                <a:latin typeface="+mn-lt"/>
+                <a:ea typeface="+mn-ea"/>
+                <a:cs typeface="+mn-cs"/>
+              </a:defRPr>
+            </a:lvl4pPr>
+            <a:lvl5pPr marL="1828800" indent="0" algn="ctr" defTabSz="914400" rtl="0" eaLnBrk="1" latinLnBrk="0" hangingPunct="1">
+              <a:lnSpc>
+                <a:spcPct val="90000"/>
+              </a:lnSpc>
+              <a:spcBef>
+                <a:spcPts val="500"/>
+              </a:spcBef>
+              <a:buFont typeface="Arial" panose="020B0604020202020204" pitchFamily="34" charset="0"/>
+              <a:buNone/>
+              <a:defRPr sz="1600" kern="1200">
+                <a:solidFill>
+                  <a:schemeClr val="tx1"/>
+                </a:solidFill>
+                <a:latin typeface="+mn-lt"/>
+                <a:ea typeface="+mn-ea"/>
+                <a:cs typeface="+mn-cs"/>
+              </a:defRPr>
+            </a:lvl5pPr>
+            <a:lvl6pPr marL="2286000" indent="0" algn="ctr" defTabSz="914400" rtl="0" eaLnBrk="1" latinLnBrk="0" hangingPunct="1">
+              <a:lnSpc>
+                <a:spcPct val="90000"/>
+              </a:lnSpc>
+              <a:spcBef>
+                <a:spcPts val="500"/>
+              </a:spcBef>
+              <a:buFont typeface="Arial" panose="020B0604020202020204" pitchFamily="34" charset="0"/>
+              <a:buNone/>
+              <a:defRPr sz="1600" kern="1200">
+                <a:solidFill>
+                  <a:schemeClr val="tx1"/>
+                </a:solidFill>
+                <a:latin typeface="+mn-lt"/>
+                <a:ea typeface="+mn-ea"/>
+                <a:cs typeface="+mn-cs"/>
+              </a:defRPr>
+            </a:lvl6pPr>
+            <a:lvl7pPr marL="2743200" indent="0" algn="ctr" defTabSz="914400" rtl="0" eaLnBrk="1" latinLnBrk="0" hangingPunct="1">
+              <a:lnSpc>
+                <a:spcPct val="90000"/>
+              </a:lnSpc>
+              <a:spcBef>
+                <a:spcPts val="500"/>
+              </a:spcBef>
+              <a:buFont typeface="Arial" panose="020B0604020202020204" pitchFamily="34" charset="0"/>
+              <a:buNone/>
+              <a:defRPr sz="1600" kern="1200">
+                <a:solidFill>
+                  <a:schemeClr val="tx1"/>
+                </a:solidFill>
+                <a:latin typeface="+mn-lt"/>
+                <a:ea typeface="+mn-ea"/>
+                <a:cs typeface="+mn-cs"/>
+              </a:defRPr>
+            </a:lvl7pPr>
+            <a:lvl8pPr marL="3200400" indent="0" algn="ctr" defTabSz="914400" rtl="0" eaLnBrk="1" latinLnBrk="0" hangingPunct="1">
+              <a:lnSpc>
+                <a:spcPct val="90000"/>
+              </a:lnSpc>
+              <a:spcBef>
+                <a:spcPts val="500"/>
+              </a:spcBef>
+              <a:buFont typeface="Arial" panose="020B0604020202020204" pitchFamily="34" charset="0"/>
+              <a:buNone/>
+              <a:defRPr sz="1600" kern="1200">
+                <a:solidFill>
+                  <a:schemeClr val="tx1"/>
+                </a:solidFill>
+                <a:latin typeface="+mn-lt"/>
+                <a:ea typeface="+mn-ea"/>
+                <a:cs typeface="+mn-cs"/>
+              </a:defRPr>
+            </a:lvl8pPr>
+            <a:lvl9pPr marL="3657600" indent="0" algn="ctr" defTabSz="914400" rtl="0" eaLnBrk="1" latinLnBrk="0" hangingPunct="1">
+              <a:lnSpc>
+                <a:spcPct val="90000"/>
+              </a:lnSpc>
+              <a:spcBef>
+                <a:spcPts val="500"/>
+              </a:spcBef>
+              <a:buFont typeface="Arial" panose="020B0604020202020204" pitchFamily="34" charset="0"/>
+              <a:buNone/>
+              <a:defRPr sz="1600" kern="1200">
+                <a:solidFill>
+                  <a:schemeClr val="tx1"/>
+                </a:solidFill>
+                <a:latin typeface="+mn-lt"/>
+                <a:ea typeface="+mn-ea"/>
+                <a:cs typeface="+mn-cs"/>
+              </a:defRPr>
+            </a:lvl9pPr>
+          </a:lstStyle>
+          <a:p>
+            <a:pPr algn="l"/>
+            <a:r>
+              <a:rPr lang="en-GB" sz="2800" dirty="0"/>
+              <a:t>Scott McAllister</a:t>
+            </a:r>
+          </a:p>
+          <a:p>
+            <a:pPr algn="l"/>
+            <a:r>
+              <a:rPr lang="en-GB" sz="2800" dirty="0"/>
+              <a:t>Engineer @ Patch My PC</a:t>
+            </a:r>
+          </a:p>
+          <a:p>
+            <a:pPr algn="l"/>
+            <a:r>
+              <a:rPr lang="en-GB" sz="2800" dirty="0"/>
+              <a:t>        @scotscottmca</a:t>
+            </a:r>
+          </a:p>
+        </p:txBody>
+      </p:sp>
+      <p:pic>
+        <p:nvPicPr>
+          <p:cNvPr id="7" name="Picture 6" descr="A white cloud in the sky&#10;&#10;Description automatically generated with low confidence">
+            <a:extLst>
+              <a:ext uri="{FF2B5EF4-FFF2-40B4-BE49-F238E27FC236}">
+                <a16:creationId xmlns:a16="http://schemas.microsoft.com/office/drawing/2014/main" id="{59723FDB-D5DE-974E-0008-A9011E88150D}"/>
+              </a:ext>
+            </a:extLst>
+          </p:cNvPr>
+          <p:cNvPicPr>
+            <a:picLocks noChangeAspect="1"/>
+          </p:cNvPicPr>
+          <p:nvPr/>
+        </p:nvPicPr>
+        <p:blipFill>
+          <a:blip r:embed="rId3">
+            <a:extLst>
+              <a:ext uri="{28A0092B-C50C-407E-A947-70E740481C1C}">
+                <a14:useLocalDpi xmlns:a14="http://schemas.microsoft.com/office/drawing/2010/main" val="0"/>
+              </a:ext>
+            </a:extLst>
+          </a:blip>
+          <a:stretch>
+            <a:fillRect/>
+          </a:stretch>
+        </p:blipFill>
+        <p:spPr>
+          <a:xfrm>
+            <a:off x="237289" y="1964066"/>
+            <a:ext cx="577614" cy="497291"/>
+          </a:xfrm>
+          <a:prstGeom prst="rect">
+            <a:avLst/>
+          </a:prstGeom>
+        </p:spPr>
+      </p:pic>
+      <p:pic>
+        <p:nvPicPr>
+          <p:cNvPr id="12" name="Picture 11" descr="A cityscape at night&#10;&#10;Description automatically generated with low confidence">
+            <a:extLst>
+              <a:ext uri="{FF2B5EF4-FFF2-40B4-BE49-F238E27FC236}">
+                <a16:creationId xmlns:a16="http://schemas.microsoft.com/office/drawing/2014/main" id="{BD4578E5-D82C-144A-CCAE-9BE91A5BCFC5}"/>
+              </a:ext>
+            </a:extLst>
+          </p:cNvPr>
+          <p:cNvPicPr>
+            <a:picLocks noChangeAspect="1"/>
+          </p:cNvPicPr>
+          <p:nvPr/>
+        </p:nvPicPr>
+        <p:blipFill>
+          <a:blip r:embed="rId4">
+            <a:extLst>
+              <a:ext uri="{28A0092B-C50C-407E-A947-70E740481C1C}">
+                <a14:useLocalDpi xmlns:a14="http://schemas.microsoft.com/office/drawing/2010/main" val="0"/>
+              </a:ext>
+            </a:extLst>
+          </a:blip>
+          <a:stretch>
+            <a:fillRect/>
+          </a:stretch>
+        </p:blipFill>
+        <p:spPr>
+          <a:xfrm>
+            <a:off x="0" y="3956950"/>
+            <a:ext cx="12192000" cy="3131820"/>
+          </a:xfrm>
+          <a:prstGeom prst="rect">
+            <a:avLst/>
+          </a:prstGeom>
+        </p:spPr>
+      </p:pic>
+      <p:cxnSp>
+        <p:nvCxnSpPr>
+          <p:cNvPr id="20" name="Straight Connector 19">
+            <a:extLst>
+              <a:ext uri="{FF2B5EF4-FFF2-40B4-BE49-F238E27FC236}">
+                <a16:creationId xmlns:a16="http://schemas.microsoft.com/office/drawing/2014/main" id="{9813FB3C-C48F-1CA3-387E-20322971C1EA}"/>
+              </a:ext>
+            </a:extLst>
+          </p:cNvPr>
+          <p:cNvCxnSpPr/>
+          <p:nvPr/>
+        </p:nvCxnSpPr>
+        <p:spPr>
+          <a:xfrm flipV="1">
+            <a:off x="131311" y="874355"/>
+            <a:ext cx="11755889" cy="11442"/>
+          </a:xfrm>
+          <a:prstGeom prst="line">
+            <a:avLst/>
+          </a:prstGeom>
+          <a:ln w="25400"/>
+        </p:spPr>
+        <p:style>
+          <a:lnRef idx="1">
+            <a:schemeClr val="dk1"/>
+          </a:lnRef>
+          <a:fillRef idx="0">
+            <a:schemeClr val="dk1"/>
+          </a:fillRef>
+          <a:effectRef idx="0">
+            <a:schemeClr val="dk1"/>
+          </a:effectRef>
+          <a:fontRef idx="minor">
+            <a:schemeClr val="tx1"/>
+          </a:fontRef>
+        </p:style>
+      </p:cxnSp>
+      <p:sp>
+        <p:nvSpPr>
+          <p:cNvPr id="31" name="Title 1">
+            <a:extLst>
+              <a:ext uri="{FF2B5EF4-FFF2-40B4-BE49-F238E27FC236}">
+                <a16:creationId xmlns:a16="http://schemas.microsoft.com/office/drawing/2014/main" id="{B62C039C-8FDF-7581-7C55-4E30E0C7A1D8}"/>
+              </a:ext>
+            </a:extLst>
+          </p:cNvPr>
+          <p:cNvSpPr txBox="1">
+            <a:spLocks/>
+          </p:cNvSpPr>
+          <p:nvPr/>
+        </p:nvSpPr>
+        <p:spPr>
+          <a:xfrm>
+            <a:off x="-924232" y="31563"/>
+            <a:ext cx="3177209" cy="944976"/>
+          </a:xfrm>
+          <a:prstGeom prst="rect">
+            <a:avLst/>
+          </a:prstGeom>
+        </p:spPr>
+        <p:txBody>
+          <a:bodyPr vert="horz" lIns="91440" tIns="45720" rIns="91440" bIns="45720" rtlCol="0" anchor="b">
             <a:normAutofit/>
           </a:bodyPr>
-          <a:lstStyle/>
+          <a:lstStyle>
+            <a:lvl1pPr algn="ctr" defTabSz="914400" rtl="0" eaLnBrk="1" latinLnBrk="0" hangingPunct="1">
+              <a:lnSpc>
+                <a:spcPct val="90000"/>
+              </a:lnSpc>
+              <a:spcBef>
+                <a:spcPct val="0"/>
+              </a:spcBef>
+              <a:buNone/>
+              <a:defRPr sz="6000" kern="1200">
+                <a:solidFill>
+                  <a:schemeClr val="tx1"/>
+                </a:solidFill>
+                <a:latin typeface="+mj-lt"/>
+                <a:ea typeface="+mj-ea"/>
+                <a:cs typeface="+mj-cs"/>
+              </a:defRPr>
+            </a:lvl1pPr>
+          </a:lstStyle>
           <a:p>
             <a:r>
               <a:rPr lang="en-GB" dirty="0"/>
-              <a:t>Speaker</a:t>
-            </a:r>
-          </a:p>
-        </p:txBody>
-      </p:sp>
+              <a:t>Me</a:t>
+            </a:r>
+          </a:p>
+        </p:txBody>
+      </p:sp>
+    </p:spTree>
+    <p:extLst>
+      <p:ext uri="{BB962C8B-B14F-4D97-AF65-F5344CB8AC3E}">
+        <p14:creationId xmlns:p14="http://schemas.microsoft.com/office/powerpoint/2010/main" val="2663313283"/>
+      </p:ext>
+    </p:extLst>
+  </p:cSld>
+  <p:clrMapOvr>
+    <a:masterClrMapping/>
+  </p:clrMapOvr>
+</p:sld>
+</file>
+
+<file path=ppt/slides/slide5.xml><?xml version="1.0" encoding="utf-8"?>
+<p:sld xmlns:a="http://schemas.openxmlformats.org/drawingml/2006/main" xmlns:r="http://schemas.openxmlformats.org/officeDocument/2006/relationships" xmlns:p="http://schemas.openxmlformats.org/presentationml/2006/main">
+  <p:cSld>
+    <p:spTree>
+      <p:nvGrpSpPr>
+        <p:cNvPr id="1" name=""/>
+        <p:cNvGrpSpPr/>
+        <p:nvPr/>
+      </p:nvGrpSpPr>
+      <p:grpSpPr>
+        <a:xfrm>
+          <a:off x="0" y="0"/>
+          <a:ext cx="0" cy="0"/>
+          <a:chOff x="0" y="0"/>
+          <a:chExt cx="0" cy="0"/>
+        </a:xfrm>
+      </p:grpSpPr>
       <p:pic>
         <p:nvPicPr>
-          <p:cNvPr id="4" name="Picture 3" descr="A person's face with a mustache&#10;&#10;Description automatically generated with medium confidence">
-            <a:extLst>
-              <a:ext uri="{FF2B5EF4-FFF2-40B4-BE49-F238E27FC236}">
-                <a16:creationId xmlns:a16="http://schemas.microsoft.com/office/drawing/2014/main" id="{618FAA91-0EF5-E677-1C10-AB7A854270E3}"/>
+          <p:cNvPr id="5" name="Picture 4" descr="A person standing in a doorway&#10;&#10;Description automatically generated with medium confidence">
+            <a:extLst>
+              <a:ext uri="{FF2B5EF4-FFF2-40B4-BE49-F238E27FC236}">
+                <a16:creationId xmlns:a16="http://schemas.microsoft.com/office/drawing/2014/main" id="{E40E6607-F466-08A6-3875-4AC215A5AA95}"/>
               </a:ext>
             </a:extLst>
           </p:cNvPr>
@@ -3943,14 +4500,263 @@
         </p:blipFill>
         <p:spPr>
           <a:xfrm>
-            <a:off x="0" y="1104900"/>
-            <a:ext cx="3162300" cy="3162300"/>
+            <a:off x="2137884" y="2096640"/>
+            <a:ext cx="3020079" cy="3020079"/>
+          </a:xfrm>
+          <a:prstGeom prst="ellipse">
+            <a:avLst/>
+          </a:prstGeom>
+        </p:spPr>
+      </p:pic>
+      <p:sp>
+        <p:nvSpPr>
+          <p:cNvPr id="6" name="Subtitle 2">
+            <a:extLst>
+              <a:ext uri="{FF2B5EF4-FFF2-40B4-BE49-F238E27FC236}">
+                <a16:creationId xmlns:a16="http://schemas.microsoft.com/office/drawing/2014/main" id="{8291C73A-4E78-0EF7-61B5-72D388B74354}"/>
+              </a:ext>
+            </a:extLst>
+          </p:cNvPr>
+          <p:cNvSpPr txBox="1">
+            <a:spLocks/>
+          </p:cNvSpPr>
+          <p:nvPr/>
+        </p:nvSpPr>
+        <p:spPr>
+          <a:xfrm>
+            <a:off x="131311" y="1061502"/>
+            <a:ext cx="4986874" cy="1484818"/>
           </a:xfrm>
           <a:prstGeom prst="rect">
             <a:avLst/>
           </a:prstGeom>
         </p:spPr>
-      </p:pic>
+        <p:txBody>
+          <a:bodyPr vert="horz" lIns="91440" tIns="45720" rIns="91440" bIns="45720" rtlCol="0">
+            <a:normAutofit fontScale="92500"/>
+          </a:bodyPr>
+          <a:lstStyle>
+            <a:lvl1pPr marL="0" indent="0" algn="ctr" defTabSz="914400" rtl="0" eaLnBrk="1" latinLnBrk="0" hangingPunct="1">
+              <a:lnSpc>
+                <a:spcPct val="90000"/>
+              </a:lnSpc>
+              <a:spcBef>
+                <a:spcPts val="1000"/>
+              </a:spcBef>
+              <a:buFont typeface="Arial" panose="020B0604020202020204" pitchFamily="34" charset="0"/>
+              <a:buNone/>
+              <a:defRPr sz="2400" kern="1200">
+                <a:solidFill>
+                  <a:schemeClr val="tx1"/>
+                </a:solidFill>
+                <a:latin typeface="+mn-lt"/>
+                <a:ea typeface="+mn-ea"/>
+                <a:cs typeface="+mn-cs"/>
+              </a:defRPr>
+            </a:lvl1pPr>
+            <a:lvl2pPr marL="457200" indent="0" algn="ctr" defTabSz="914400" rtl="0" eaLnBrk="1" latinLnBrk="0" hangingPunct="1">
+              <a:lnSpc>
+                <a:spcPct val="90000"/>
+              </a:lnSpc>
+              <a:spcBef>
+                <a:spcPts val="500"/>
+              </a:spcBef>
+              <a:buFont typeface="Arial" panose="020B0604020202020204" pitchFamily="34" charset="0"/>
+              <a:buNone/>
+              <a:defRPr sz="2000" kern="1200">
+                <a:solidFill>
+                  <a:schemeClr val="tx1"/>
+                </a:solidFill>
+                <a:latin typeface="+mn-lt"/>
+                <a:ea typeface="+mn-ea"/>
+                <a:cs typeface="+mn-cs"/>
+              </a:defRPr>
+            </a:lvl2pPr>
+            <a:lvl3pPr marL="914400" indent="0" algn="ctr" defTabSz="914400" rtl="0" eaLnBrk="1" latinLnBrk="0" hangingPunct="1">
+              <a:lnSpc>
+                <a:spcPct val="90000"/>
+              </a:lnSpc>
+              <a:spcBef>
+                <a:spcPts val="500"/>
+              </a:spcBef>
+              <a:buFont typeface="Arial" panose="020B0604020202020204" pitchFamily="34" charset="0"/>
+              <a:buNone/>
+              <a:defRPr sz="1800" kern="1200">
+                <a:solidFill>
+                  <a:schemeClr val="tx1"/>
+                </a:solidFill>
+                <a:latin typeface="+mn-lt"/>
+                <a:ea typeface="+mn-ea"/>
+                <a:cs typeface="+mn-cs"/>
+              </a:defRPr>
+            </a:lvl3pPr>
+            <a:lvl4pPr marL="1371600" indent="0" algn="ctr" defTabSz="914400" rtl="0" eaLnBrk="1" latinLnBrk="0" hangingPunct="1">
+              <a:lnSpc>
+                <a:spcPct val="90000"/>
+              </a:lnSpc>
+              <a:spcBef>
+                <a:spcPts val="500"/>
+              </a:spcBef>
+              <a:buFont typeface="Arial" panose="020B0604020202020204" pitchFamily="34" charset="0"/>
+              <a:buNone/>
+              <a:defRPr sz="1600" kern="1200">
+                <a:solidFill>
+                  <a:schemeClr val="tx1"/>
+                </a:solidFill>
+                <a:latin typeface="+mn-lt"/>
+                <a:ea typeface="+mn-ea"/>
+                <a:cs typeface="+mn-cs"/>
+              </a:defRPr>
+            </a:lvl4pPr>
+            <a:lvl5pPr marL="1828800" indent="0" algn="ctr" defTabSz="914400" rtl="0" eaLnBrk="1" latinLnBrk="0" hangingPunct="1">
+              <a:lnSpc>
+                <a:spcPct val="90000"/>
+              </a:lnSpc>
+              <a:spcBef>
+                <a:spcPts val="500"/>
+              </a:spcBef>
+              <a:buFont typeface="Arial" panose="020B0604020202020204" pitchFamily="34" charset="0"/>
+              <a:buNone/>
+              <a:defRPr sz="1600" kern="1200">
+                <a:solidFill>
+                  <a:schemeClr val="tx1"/>
+                </a:solidFill>
+                <a:latin typeface="+mn-lt"/>
+                <a:ea typeface="+mn-ea"/>
+                <a:cs typeface="+mn-cs"/>
+              </a:defRPr>
+            </a:lvl5pPr>
+            <a:lvl6pPr marL="2286000" indent="0" algn="ctr" defTabSz="914400" rtl="0" eaLnBrk="1" latinLnBrk="0" hangingPunct="1">
+              <a:lnSpc>
+                <a:spcPct val="90000"/>
+              </a:lnSpc>
+              <a:spcBef>
+                <a:spcPts val="500"/>
+              </a:spcBef>
+              <a:buFont typeface="Arial" panose="020B0604020202020204" pitchFamily="34" charset="0"/>
+              <a:buNone/>
+              <a:defRPr sz="1600" kern="1200">
+                <a:solidFill>
+                  <a:schemeClr val="tx1"/>
+                </a:solidFill>
+                <a:latin typeface="+mn-lt"/>
+                <a:ea typeface="+mn-ea"/>
+                <a:cs typeface="+mn-cs"/>
+              </a:defRPr>
+            </a:lvl6pPr>
+            <a:lvl7pPr marL="2743200" indent="0" algn="ctr" defTabSz="914400" rtl="0" eaLnBrk="1" latinLnBrk="0" hangingPunct="1">
+              <a:lnSpc>
+                <a:spcPct val="90000"/>
+              </a:lnSpc>
+              <a:spcBef>
+                <a:spcPts val="500"/>
+              </a:spcBef>
+              <a:buFont typeface="Arial" panose="020B0604020202020204" pitchFamily="34" charset="0"/>
+              <a:buNone/>
+              <a:defRPr sz="1600" kern="1200">
+                <a:solidFill>
+                  <a:schemeClr val="tx1"/>
+                </a:solidFill>
+                <a:latin typeface="+mn-lt"/>
+                <a:ea typeface="+mn-ea"/>
+                <a:cs typeface="+mn-cs"/>
+              </a:defRPr>
+            </a:lvl7pPr>
+            <a:lvl8pPr marL="3200400" indent="0" algn="ctr" defTabSz="914400" rtl="0" eaLnBrk="1" latinLnBrk="0" hangingPunct="1">
+              <a:lnSpc>
+                <a:spcPct val="90000"/>
+              </a:lnSpc>
+              <a:spcBef>
+                <a:spcPts val="500"/>
+              </a:spcBef>
+              <a:buFont typeface="Arial" panose="020B0604020202020204" pitchFamily="34" charset="0"/>
+              <a:buNone/>
+              <a:defRPr sz="1600" kern="1200">
+                <a:solidFill>
+                  <a:schemeClr val="tx1"/>
+                </a:solidFill>
+                <a:latin typeface="+mn-lt"/>
+                <a:ea typeface="+mn-ea"/>
+                <a:cs typeface="+mn-cs"/>
+              </a:defRPr>
+            </a:lvl8pPr>
+            <a:lvl9pPr marL="3657600" indent="0" algn="ctr" defTabSz="914400" rtl="0" eaLnBrk="1" latinLnBrk="0" hangingPunct="1">
+              <a:lnSpc>
+                <a:spcPct val="90000"/>
+              </a:lnSpc>
+              <a:spcBef>
+                <a:spcPts val="500"/>
+              </a:spcBef>
+              <a:buFont typeface="Arial" panose="020B0604020202020204" pitchFamily="34" charset="0"/>
+              <a:buNone/>
+              <a:defRPr sz="1600" kern="1200">
+                <a:solidFill>
+                  <a:schemeClr val="tx1"/>
+                </a:solidFill>
+                <a:latin typeface="+mn-lt"/>
+                <a:ea typeface="+mn-ea"/>
+                <a:cs typeface="+mn-cs"/>
+              </a:defRPr>
+            </a:lvl9pPr>
+          </a:lstStyle>
+          <a:p>
+            <a:pPr algn="l"/>
+            <a:r>
+              <a:rPr lang="en-GB" sz="2800" dirty="0"/>
+              <a:t>Tim Hermie</a:t>
+            </a:r>
+          </a:p>
+          <a:p>
+            <a:pPr algn="l"/>
+            <a:r>
+              <a:rPr lang="en-GB" sz="2800" dirty="0"/>
+              <a:t>Microsoft MVP Enterprise Mobility</a:t>
+            </a:r>
+          </a:p>
+          <a:p>
+            <a:pPr algn="l"/>
+            <a:r>
+              <a:rPr lang="en-GB" sz="2800" dirty="0"/>
+              <a:t>        @_Cloud_boy</a:t>
+            </a:r>
+          </a:p>
+        </p:txBody>
+      </p:sp>
+      <p:sp>
+        <p:nvSpPr>
+          <p:cNvPr id="2" name="Title 1">
+            <a:extLst>
+              <a:ext uri="{FF2B5EF4-FFF2-40B4-BE49-F238E27FC236}">
+                <a16:creationId xmlns:a16="http://schemas.microsoft.com/office/drawing/2014/main" id="{7D8FF21A-6765-249B-8C49-13E398B0EDED}"/>
+              </a:ext>
+            </a:extLst>
+          </p:cNvPr>
+          <p:cNvSpPr>
+            <a:spLocks noGrp="1"/>
+          </p:cNvSpPr>
+          <p:nvPr>
+            <p:ph type="ctrTitle"/>
+          </p:nvPr>
+        </p:nvSpPr>
+        <p:spPr>
+          <a:xfrm>
+            <a:off x="0" y="0"/>
+            <a:ext cx="3873910" cy="944976"/>
+          </a:xfrm>
+        </p:spPr>
+        <p:txBody>
+          <a:bodyPr>
+            <a:normAutofit fontScale="90000"/>
+          </a:bodyPr>
+          <a:lstStyle/>
+          <a:p>
+            <a:r>
+              <a:rPr lang="en-GB" dirty="0"/>
+              <a:t>Next meetup</a:t>
+            </a:r>
+          </a:p>
+        </p:txBody>
+      </p:sp>
       <p:sp>
         <p:nvSpPr>
           <p:cNvPr id="9" name="Subtitle 2">
@@ -3969,45 +4775,28 @@
         </p:nvSpPr>
         <p:spPr>
           <a:xfrm>
-            <a:off x="2447927" y="1430390"/>
-            <a:ext cx="11201398" cy="2663720"/>
+            <a:off x="6380734" y="401412"/>
+            <a:ext cx="5506466" cy="413309"/>
           </a:xfrm>
         </p:spPr>
         <p:txBody>
           <a:bodyPr>
-            <a:normAutofit/>
+            <a:normAutofit fontScale="92500" lnSpcReduction="20000"/>
           </a:bodyPr>
           <a:lstStyle/>
           <a:p>
             <a:pPr algn="l"/>
             <a:r>
               <a:rPr lang="en-GB" sz="2800" dirty="0"/>
-              <a:t>Steven Hosking</a:t>
-            </a:r>
-          </a:p>
-          <a:p>
-            <a:pPr algn="l"/>
+              <a:t>October 18</a:t>
+            </a:r>
+            <a:r>
+              <a:rPr lang="en-GB" sz="2800" baseline="30000" dirty="0"/>
+              <a:t>th</a:t>
+            </a:r>
             <a:r>
               <a:rPr lang="en-GB" sz="2800" dirty="0"/>
-              <a:t>MMD Product Manager @ Microsoft</a:t>
-            </a:r>
-          </a:p>
-          <a:p>
-            <a:pPr algn="l"/>
-            <a:r>
-              <a:rPr lang="en-GB" sz="2800" dirty="0"/>
-              <a:t>        @OnPremCloudGuy</a:t>
-            </a:r>
-          </a:p>
-          <a:p>
-            <a:pPr algn="l"/>
-            <a:endParaRPr lang="en-GB" sz="2800" dirty="0"/>
-          </a:p>
-          <a:p>
-            <a:pPr algn="l"/>
-            <a:r>
-              <a:rPr lang="en-GB" sz="2800" dirty="0"/>
-              <a:t>Session – Why Intune Filters &gt; AAD Dynamic Groups</a:t>
+              <a:t> @ The Incremental Group</a:t>
             </a:r>
           </a:p>
         </p:txBody>
@@ -4040,8 +4829,8 @@
         </p:blipFill>
         <p:spPr>
           <a:xfrm>
-            <a:off x="2500225" y="2381250"/>
-            <a:ext cx="609600" cy="609600"/>
+            <a:off x="237289" y="1964066"/>
+            <a:ext cx="577614" cy="497291"/>
           </a:xfrm>
           <a:prstGeom prst="rect">
             <a:avLst/>
@@ -4050,10 +4839,10 @@
       </p:pic>
       <p:pic>
         <p:nvPicPr>
-          <p:cNvPr id="10" name="Picture 9" descr="A cityscape at night&#10;&#10;Description automatically generated with low confidence">
-            <a:extLst>
-              <a:ext uri="{FF2B5EF4-FFF2-40B4-BE49-F238E27FC236}">
-                <a16:creationId xmlns:a16="http://schemas.microsoft.com/office/drawing/2014/main" id="{83D814D0-28DE-F058-782E-49E8DB205115}"/>
+          <p:cNvPr id="12" name="Picture 11" descr="A cityscape at night&#10;&#10;Description automatically generated with low confidence">
+            <a:extLst>
+              <a:ext uri="{FF2B5EF4-FFF2-40B4-BE49-F238E27FC236}">
+                <a16:creationId xmlns:a16="http://schemas.microsoft.com/office/drawing/2014/main" id="{BD4578E5-D82C-144A-CCAE-9BE91A5BCFC5}"/>
               </a:ext>
             </a:extLst>
           </p:cNvPr>
@@ -4084,10 +4873,859 @@
           </a:prstGeom>
         </p:spPr>
       </p:pic>
+      <p:pic>
+        <p:nvPicPr>
+          <p:cNvPr id="15" name="Picture 14">
+            <a:extLst>
+              <a:ext uri="{FF2B5EF4-FFF2-40B4-BE49-F238E27FC236}">
+                <a16:creationId xmlns:a16="http://schemas.microsoft.com/office/drawing/2014/main" id="{0FAAF87A-DDED-158A-AD86-972B55A693E8}"/>
+              </a:ext>
+            </a:extLst>
+          </p:cNvPr>
+          <p:cNvPicPr>
+            <a:picLocks noChangeAspect="1"/>
+          </p:cNvPicPr>
+          <p:nvPr/>
+        </p:nvPicPr>
+        <p:blipFill>
+          <a:blip r:embed="rId5">
+            <a:extLst>
+              <a:ext uri="{28A0092B-C50C-407E-A947-70E740481C1C}">
+                <a14:useLocalDpi xmlns:a14="http://schemas.microsoft.com/office/drawing/2010/main" val="0"/>
+              </a:ext>
+            </a:extLst>
+          </a:blip>
+          <a:srcRect/>
+          <a:stretch/>
+        </p:blipFill>
+        <p:spPr>
+          <a:xfrm>
+            <a:off x="8577823" y="2353193"/>
+            <a:ext cx="2506972" cy="2506972"/>
+          </a:xfrm>
+          <a:prstGeom prst="ellipse">
+            <a:avLst/>
+          </a:prstGeom>
+        </p:spPr>
+      </p:pic>
+      <p:cxnSp>
+        <p:nvCxnSpPr>
+          <p:cNvPr id="20" name="Straight Connector 19">
+            <a:extLst>
+              <a:ext uri="{FF2B5EF4-FFF2-40B4-BE49-F238E27FC236}">
+                <a16:creationId xmlns:a16="http://schemas.microsoft.com/office/drawing/2014/main" id="{9813FB3C-C48F-1CA3-387E-20322971C1EA}"/>
+              </a:ext>
+            </a:extLst>
+          </p:cNvPr>
+          <p:cNvCxnSpPr/>
+          <p:nvPr/>
+        </p:nvCxnSpPr>
+        <p:spPr>
+          <a:xfrm flipV="1">
+            <a:off x="131311" y="874355"/>
+            <a:ext cx="11755889" cy="11442"/>
+          </a:xfrm>
+          <a:prstGeom prst="line">
+            <a:avLst/>
+          </a:prstGeom>
+          <a:ln w="25400"/>
+        </p:spPr>
+        <p:style>
+          <a:lnRef idx="1">
+            <a:schemeClr val="dk1"/>
+          </a:lnRef>
+          <a:fillRef idx="0">
+            <a:schemeClr val="dk1"/>
+          </a:fillRef>
+          <a:effectRef idx="0">
+            <a:schemeClr val="dk1"/>
+          </a:effectRef>
+          <a:fontRef idx="minor">
+            <a:schemeClr val="tx1"/>
+          </a:fontRef>
+        </p:style>
+      </p:cxnSp>
+      <p:sp>
+        <p:nvSpPr>
+          <p:cNvPr id="23" name="Subtitle 2">
+            <a:extLst>
+              <a:ext uri="{FF2B5EF4-FFF2-40B4-BE49-F238E27FC236}">
+                <a16:creationId xmlns:a16="http://schemas.microsoft.com/office/drawing/2014/main" id="{61F9FA30-D672-6534-05D6-340637759AA7}"/>
+              </a:ext>
+            </a:extLst>
+          </p:cNvPr>
+          <p:cNvSpPr txBox="1">
+            <a:spLocks/>
+          </p:cNvSpPr>
+          <p:nvPr/>
+        </p:nvSpPr>
+        <p:spPr>
+          <a:xfrm>
+            <a:off x="6863330" y="1074231"/>
+            <a:ext cx="4986874" cy="1484818"/>
+          </a:xfrm>
+          <a:prstGeom prst="rect">
+            <a:avLst/>
+          </a:prstGeom>
+        </p:spPr>
+        <p:txBody>
+          <a:bodyPr vert="horz" lIns="91440" tIns="45720" rIns="91440" bIns="45720" rtlCol="0">
+            <a:normAutofit lnSpcReduction="10000"/>
+          </a:bodyPr>
+          <a:lstStyle>
+            <a:lvl1pPr marL="0" indent="0" algn="ctr" defTabSz="914400" rtl="0" eaLnBrk="1" latinLnBrk="0" hangingPunct="1">
+              <a:lnSpc>
+                <a:spcPct val="90000"/>
+              </a:lnSpc>
+              <a:spcBef>
+                <a:spcPts val="1000"/>
+              </a:spcBef>
+              <a:buFont typeface="Arial" panose="020B0604020202020204" pitchFamily="34" charset="0"/>
+              <a:buNone/>
+              <a:defRPr sz="2400" kern="1200">
+                <a:solidFill>
+                  <a:schemeClr val="tx1"/>
+                </a:solidFill>
+                <a:latin typeface="+mn-lt"/>
+                <a:ea typeface="+mn-ea"/>
+                <a:cs typeface="+mn-cs"/>
+              </a:defRPr>
+            </a:lvl1pPr>
+            <a:lvl2pPr marL="457200" indent="0" algn="ctr" defTabSz="914400" rtl="0" eaLnBrk="1" latinLnBrk="0" hangingPunct="1">
+              <a:lnSpc>
+                <a:spcPct val="90000"/>
+              </a:lnSpc>
+              <a:spcBef>
+                <a:spcPts val="500"/>
+              </a:spcBef>
+              <a:buFont typeface="Arial" panose="020B0604020202020204" pitchFamily="34" charset="0"/>
+              <a:buNone/>
+              <a:defRPr sz="2000" kern="1200">
+                <a:solidFill>
+                  <a:schemeClr val="tx1"/>
+                </a:solidFill>
+                <a:latin typeface="+mn-lt"/>
+                <a:ea typeface="+mn-ea"/>
+                <a:cs typeface="+mn-cs"/>
+              </a:defRPr>
+            </a:lvl2pPr>
+            <a:lvl3pPr marL="914400" indent="0" algn="ctr" defTabSz="914400" rtl="0" eaLnBrk="1" latinLnBrk="0" hangingPunct="1">
+              <a:lnSpc>
+                <a:spcPct val="90000"/>
+              </a:lnSpc>
+              <a:spcBef>
+                <a:spcPts val="500"/>
+              </a:spcBef>
+              <a:buFont typeface="Arial" panose="020B0604020202020204" pitchFamily="34" charset="0"/>
+              <a:buNone/>
+              <a:defRPr sz="1800" kern="1200">
+                <a:solidFill>
+                  <a:schemeClr val="tx1"/>
+                </a:solidFill>
+                <a:latin typeface="+mn-lt"/>
+                <a:ea typeface="+mn-ea"/>
+                <a:cs typeface="+mn-cs"/>
+              </a:defRPr>
+            </a:lvl3pPr>
+            <a:lvl4pPr marL="1371600" indent="0" algn="ctr" defTabSz="914400" rtl="0" eaLnBrk="1" latinLnBrk="0" hangingPunct="1">
+              <a:lnSpc>
+                <a:spcPct val="90000"/>
+              </a:lnSpc>
+              <a:spcBef>
+                <a:spcPts val="500"/>
+              </a:spcBef>
+              <a:buFont typeface="Arial" panose="020B0604020202020204" pitchFamily="34" charset="0"/>
+              <a:buNone/>
+              <a:defRPr sz="1600" kern="1200">
+                <a:solidFill>
+                  <a:schemeClr val="tx1"/>
+                </a:solidFill>
+                <a:latin typeface="+mn-lt"/>
+                <a:ea typeface="+mn-ea"/>
+                <a:cs typeface="+mn-cs"/>
+              </a:defRPr>
+            </a:lvl4pPr>
+            <a:lvl5pPr marL="1828800" indent="0" algn="ctr" defTabSz="914400" rtl="0" eaLnBrk="1" latinLnBrk="0" hangingPunct="1">
+              <a:lnSpc>
+                <a:spcPct val="90000"/>
+              </a:lnSpc>
+              <a:spcBef>
+                <a:spcPts val="500"/>
+              </a:spcBef>
+              <a:buFont typeface="Arial" panose="020B0604020202020204" pitchFamily="34" charset="0"/>
+              <a:buNone/>
+              <a:defRPr sz="1600" kern="1200">
+                <a:solidFill>
+                  <a:schemeClr val="tx1"/>
+                </a:solidFill>
+                <a:latin typeface="+mn-lt"/>
+                <a:ea typeface="+mn-ea"/>
+                <a:cs typeface="+mn-cs"/>
+              </a:defRPr>
+            </a:lvl5pPr>
+            <a:lvl6pPr marL="2286000" indent="0" algn="ctr" defTabSz="914400" rtl="0" eaLnBrk="1" latinLnBrk="0" hangingPunct="1">
+              <a:lnSpc>
+                <a:spcPct val="90000"/>
+              </a:lnSpc>
+              <a:spcBef>
+                <a:spcPts val="500"/>
+              </a:spcBef>
+              <a:buFont typeface="Arial" panose="020B0604020202020204" pitchFamily="34" charset="0"/>
+              <a:buNone/>
+              <a:defRPr sz="1600" kern="1200">
+                <a:solidFill>
+                  <a:schemeClr val="tx1"/>
+                </a:solidFill>
+                <a:latin typeface="+mn-lt"/>
+                <a:ea typeface="+mn-ea"/>
+                <a:cs typeface="+mn-cs"/>
+              </a:defRPr>
+            </a:lvl6pPr>
+            <a:lvl7pPr marL="2743200" indent="0" algn="ctr" defTabSz="914400" rtl="0" eaLnBrk="1" latinLnBrk="0" hangingPunct="1">
+              <a:lnSpc>
+                <a:spcPct val="90000"/>
+              </a:lnSpc>
+              <a:spcBef>
+                <a:spcPts val="500"/>
+              </a:spcBef>
+              <a:buFont typeface="Arial" panose="020B0604020202020204" pitchFamily="34" charset="0"/>
+              <a:buNone/>
+              <a:defRPr sz="1600" kern="1200">
+                <a:solidFill>
+                  <a:schemeClr val="tx1"/>
+                </a:solidFill>
+                <a:latin typeface="+mn-lt"/>
+                <a:ea typeface="+mn-ea"/>
+                <a:cs typeface="+mn-cs"/>
+              </a:defRPr>
+            </a:lvl7pPr>
+            <a:lvl8pPr marL="3200400" indent="0" algn="ctr" defTabSz="914400" rtl="0" eaLnBrk="1" latinLnBrk="0" hangingPunct="1">
+              <a:lnSpc>
+                <a:spcPct val="90000"/>
+              </a:lnSpc>
+              <a:spcBef>
+                <a:spcPts val="500"/>
+              </a:spcBef>
+              <a:buFont typeface="Arial" panose="020B0604020202020204" pitchFamily="34" charset="0"/>
+              <a:buNone/>
+              <a:defRPr sz="1600" kern="1200">
+                <a:solidFill>
+                  <a:schemeClr val="tx1"/>
+                </a:solidFill>
+                <a:latin typeface="+mn-lt"/>
+                <a:ea typeface="+mn-ea"/>
+                <a:cs typeface="+mn-cs"/>
+              </a:defRPr>
+            </a:lvl8pPr>
+            <a:lvl9pPr marL="3657600" indent="0" algn="ctr" defTabSz="914400" rtl="0" eaLnBrk="1" latinLnBrk="0" hangingPunct="1">
+              <a:lnSpc>
+                <a:spcPct val="90000"/>
+              </a:lnSpc>
+              <a:spcBef>
+                <a:spcPts val="500"/>
+              </a:spcBef>
+              <a:buFont typeface="Arial" panose="020B0604020202020204" pitchFamily="34" charset="0"/>
+              <a:buNone/>
+              <a:defRPr sz="1600" kern="1200">
+                <a:solidFill>
+                  <a:schemeClr val="tx1"/>
+                </a:solidFill>
+                <a:latin typeface="+mn-lt"/>
+                <a:ea typeface="+mn-ea"/>
+                <a:cs typeface="+mn-cs"/>
+              </a:defRPr>
+            </a:lvl9pPr>
+          </a:lstStyle>
+          <a:p>
+            <a:pPr algn="l"/>
+            <a:r>
+              <a:rPr lang="en-GB" sz="2800" dirty="0"/>
+              <a:t>TBC</a:t>
+            </a:r>
+          </a:p>
+          <a:p>
+            <a:pPr algn="l"/>
+            <a:r>
+              <a:rPr lang="en-GB" sz="2800" dirty="0"/>
+              <a:t>TBC</a:t>
+            </a:r>
+          </a:p>
+          <a:p>
+            <a:pPr algn="l"/>
+            <a:r>
+              <a:rPr lang="en-GB" sz="2800" dirty="0"/>
+              <a:t>        </a:t>
+            </a:r>
+          </a:p>
+        </p:txBody>
+      </p:sp>
+      <p:pic>
+        <p:nvPicPr>
+          <p:cNvPr id="24" name="Picture 23" descr="A white cloud in the sky&#10;&#10;Description automatically generated with low confidence">
+            <a:extLst>
+              <a:ext uri="{FF2B5EF4-FFF2-40B4-BE49-F238E27FC236}">
+                <a16:creationId xmlns:a16="http://schemas.microsoft.com/office/drawing/2014/main" id="{0BBBE0D8-5D27-8701-F662-BB1F6F8B0D0F}"/>
+              </a:ext>
+            </a:extLst>
+          </p:cNvPr>
+          <p:cNvPicPr>
+            <a:picLocks noChangeAspect="1"/>
+          </p:cNvPicPr>
+          <p:nvPr/>
+        </p:nvPicPr>
+        <p:blipFill>
+          <a:blip r:embed="rId3">
+            <a:extLst>
+              <a:ext uri="{28A0092B-C50C-407E-A947-70E740481C1C}">
+                <a14:useLocalDpi xmlns:a14="http://schemas.microsoft.com/office/drawing/2010/main" val="0"/>
+              </a:ext>
+            </a:extLst>
+          </a:blip>
+          <a:stretch>
+            <a:fillRect/>
+          </a:stretch>
+        </p:blipFill>
+        <p:spPr>
+          <a:xfrm>
+            <a:off x="6969308" y="1976795"/>
+            <a:ext cx="577614" cy="497291"/>
+          </a:xfrm>
+          <a:prstGeom prst="rect">
+            <a:avLst/>
+          </a:prstGeom>
+        </p:spPr>
+      </p:pic>
     </p:spTree>
     <p:extLst>
       <p:ext uri="{BB962C8B-B14F-4D97-AF65-F5344CB8AC3E}">
-        <p14:creationId xmlns:p14="http://schemas.microsoft.com/office/powerpoint/2010/main" val="4253428393"/>
+        <p14:creationId xmlns:p14="http://schemas.microsoft.com/office/powerpoint/2010/main" val="1178271515"/>
+      </p:ext>
+    </p:extLst>
+  </p:cSld>
+  <p:clrMapOvr>
+    <a:masterClrMapping/>
+  </p:clrMapOvr>
+</p:sld>
+</file>
+
+<file path=ppt/slides/slide6.xml><?xml version="1.0" encoding="utf-8"?>
+<p:sld xmlns:a="http://schemas.openxmlformats.org/drawingml/2006/main" xmlns:r="http://schemas.openxmlformats.org/officeDocument/2006/relationships" xmlns:p="http://schemas.openxmlformats.org/presentationml/2006/main">
+  <p:cSld>
+    <p:spTree>
+      <p:nvGrpSpPr>
+        <p:cNvPr id="1" name=""/>
+        <p:cNvGrpSpPr/>
+        <p:nvPr/>
+      </p:nvGrpSpPr>
+      <p:grpSpPr>
+        <a:xfrm>
+          <a:off x="0" y="0"/>
+          <a:ext cx="0" cy="0"/>
+          <a:chOff x="0" y="0"/>
+          <a:chExt cx="0" cy="0"/>
+        </a:xfrm>
+      </p:grpSpPr>
+      <p:sp>
+        <p:nvSpPr>
+          <p:cNvPr id="2" name="Title 1">
+            <a:extLst>
+              <a:ext uri="{FF2B5EF4-FFF2-40B4-BE49-F238E27FC236}">
+                <a16:creationId xmlns:a16="http://schemas.microsoft.com/office/drawing/2014/main" id="{7D8FF21A-6765-249B-8C49-13E398B0EDED}"/>
+              </a:ext>
+            </a:extLst>
+          </p:cNvPr>
+          <p:cNvSpPr>
+            <a:spLocks noGrp="1"/>
+          </p:cNvSpPr>
+          <p:nvPr>
+            <p:ph type="ctrTitle"/>
+          </p:nvPr>
+        </p:nvSpPr>
+        <p:spPr>
+          <a:xfrm>
+            <a:off x="0" y="0"/>
+            <a:ext cx="3873910" cy="944976"/>
+          </a:xfrm>
+        </p:spPr>
+        <p:txBody>
+          <a:bodyPr>
+            <a:normAutofit fontScale="90000"/>
+          </a:bodyPr>
+          <a:lstStyle/>
+          <a:p>
+            <a:r>
+              <a:rPr lang="en-GB" dirty="0"/>
+              <a:t>Next meetup</a:t>
+            </a:r>
+          </a:p>
+        </p:txBody>
+      </p:sp>
+      <p:sp>
+        <p:nvSpPr>
+          <p:cNvPr id="9" name="Subtitle 2">
+            <a:extLst>
+              <a:ext uri="{FF2B5EF4-FFF2-40B4-BE49-F238E27FC236}">
+                <a16:creationId xmlns:a16="http://schemas.microsoft.com/office/drawing/2014/main" id="{7EC6CB9F-E565-DC50-22C2-9C4767B3FC94}"/>
+              </a:ext>
+            </a:extLst>
+          </p:cNvPr>
+          <p:cNvSpPr>
+            <a:spLocks noGrp="1"/>
+          </p:cNvSpPr>
+          <p:nvPr>
+            <p:ph type="subTitle" idx="1"/>
+          </p:nvPr>
+        </p:nvSpPr>
+        <p:spPr>
+          <a:xfrm>
+            <a:off x="6380734" y="401412"/>
+            <a:ext cx="5506466" cy="413309"/>
+          </a:xfrm>
+        </p:spPr>
+        <p:txBody>
+          <a:bodyPr>
+            <a:normAutofit fontScale="92500" lnSpcReduction="20000"/>
+          </a:bodyPr>
+          <a:lstStyle/>
+          <a:p>
+            <a:pPr algn="l"/>
+            <a:r>
+              <a:rPr lang="en-GB" sz="2800" dirty="0"/>
+              <a:t>October 18</a:t>
+            </a:r>
+            <a:r>
+              <a:rPr lang="en-GB" sz="2800" baseline="30000" dirty="0"/>
+              <a:t>th</a:t>
+            </a:r>
+            <a:r>
+              <a:rPr lang="en-GB" sz="2800" dirty="0"/>
+              <a:t> @ The Incremental Group</a:t>
+            </a:r>
+          </a:p>
+        </p:txBody>
+      </p:sp>
+      <p:pic>
+        <p:nvPicPr>
+          <p:cNvPr id="12" name="Picture 11" descr="A cityscape at night&#10;&#10;Description automatically generated with low confidence">
+            <a:extLst>
+              <a:ext uri="{FF2B5EF4-FFF2-40B4-BE49-F238E27FC236}">
+                <a16:creationId xmlns:a16="http://schemas.microsoft.com/office/drawing/2014/main" id="{BD4578E5-D82C-144A-CCAE-9BE91A5BCFC5}"/>
+              </a:ext>
+            </a:extLst>
+          </p:cNvPr>
+          <p:cNvPicPr>
+            <a:picLocks noChangeAspect="1"/>
+          </p:cNvPicPr>
+          <p:nvPr/>
+        </p:nvPicPr>
+        <p:blipFill>
+          <a:blip r:embed="rId2">
+            <a:extLst>
+              <a:ext uri="{28A0092B-C50C-407E-A947-70E740481C1C}">
+                <a14:useLocalDpi xmlns:a14="http://schemas.microsoft.com/office/drawing/2010/main" val="0"/>
+              </a:ext>
+            </a:extLst>
+          </a:blip>
+          <a:stretch>
+            <a:fillRect/>
+          </a:stretch>
+        </p:blipFill>
+        <p:spPr>
+          <a:xfrm>
+            <a:off x="0" y="3956950"/>
+            <a:ext cx="12192000" cy="3131820"/>
+          </a:xfrm>
+          <a:prstGeom prst="rect">
+            <a:avLst/>
+          </a:prstGeom>
+        </p:spPr>
+      </p:pic>
+      <p:cxnSp>
+        <p:nvCxnSpPr>
+          <p:cNvPr id="20" name="Straight Connector 19">
+            <a:extLst>
+              <a:ext uri="{FF2B5EF4-FFF2-40B4-BE49-F238E27FC236}">
+                <a16:creationId xmlns:a16="http://schemas.microsoft.com/office/drawing/2014/main" id="{9813FB3C-C48F-1CA3-387E-20322971C1EA}"/>
+              </a:ext>
+            </a:extLst>
+          </p:cNvPr>
+          <p:cNvCxnSpPr/>
+          <p:nvPr/>
+        </p:nvCxnSpPr>
+        <p:spPr>
+          <a:xfrm flipV="1">
+            <a:off x="131311" y="874355"/>
+            <a:ext cx="11755889" cy="11442"/>
+          </a:xfrm>
+          <a:prstGeom prst="line">
+            <a:avLst/>
+          </a:prstGeom>
+          <a:ln w="25400"/>
+        </p:spPr>
+        <p:style>
+          <a:lnRef idx="1">
+            <a:schemeClr val="dk1"/>
+          </a:lnRef>
+          <a:fillRef idx="0">
+            <a:schemeClr val="dk1"/>
+          </a:fillRef>
+          <a:effectRef idx="0">
+            <a:schemeClr val="dk1"/>
+          </a:effectRef>
+          <a:fontRef idx="minor">
+            <a:schemeClr val="tx1"/>
+          </a:fontRef>
+        </p:style>
+      </p:cxnSp>
+      <p:pic>
+        <p:nvPicPr>
+          <p:cNvPr id="28" name="Graphic 27">
+            <a:extLst>
+              <a:ext uri="{FF2B5EF4-FFF2-40B4-BE49-F238E27FC236}">
+                <a16:creationId xmlns:a16="http://schemas.microsoft.com/office/drawing/2014/main" id="{1064849C-992D-6A48-6358-B34079A42E6C}"/>
+              </a:ext>
+            </a:extLst>
+          </p:cNvPr>
+          <p:cNvPicPr>
+            <a:picLocks noChangeAspect="1"/>
+          </p:cNvPicPr>
+          <p:nvPr/>
+        </p:nvPicPr>
+        <p:blipFill>
+          <a:blip r:embed="rId3">
+            <a:extLst>
+              <a:ext uri="{28A0092B-C50C-407E-A947-70E740481C1C}">
+                <a14:useLocalDpi xmlns:a14="http://schemas.microsoft.com/office/drawing/2010/main" val="0"/>
+              </a:ext>
+              <a:ext uri="{96DAC541-7B7A-43D3-8B79-37D633B846F1}">
+                <asvg:svgBlip xmlns:asvg="http://schemas.microsoft.com/office/drawing/2016/SVG/main" r:embed="rId4"/>
+              </a:ext>
+            </a:extLst>
+          </a:blip>
+          <a:stretch>
+            <a:fillRect/>
+          </a:stretch>
+        </p:blipFill>
+        <p:spPr>
+          <a:xfrm>
+            <a:off x="7726325" y="1609667"/>
+            <a:ext cx="3136632" cy="3136632"/>
+          </a:xfrm>
+          <a:prstGeom prst="rect">
+            <a:avLst/>
+          </a:prstGeom>
+        </p:spPr>
+      </p:pic>
+      <p:sp>
+        <p:nvSpPr>
+          <p:cNvPr id="4" name="TextBox 3">
+            <a:extLst>
+              <a:ext uri="{FF2B5EF4-FFF2-40B4-BE49-F238E27FC236}">
+                <a16:creationId xmlns:a16="http://schemas.microsoft.com/office/drawing/2014/main" id="{99128CE3-212B-DBF5-881B-EA46BF8F9A56}"/>
+              </a:ext>
+            </a:extLst>
+          </p:cNvPr>
+          <p:cNvSpPr txBox="1"/>
+          <p:nvPr/>
+        </p:nvSpPr>
+        <p:spPr>
+          <a:xfrm>
+            <a:off x="1129193" y="2316214"/>
+            <a:ext cx="6235102" cy="1569660"/>
+          </a:xfrm>
+          <a:prstGeom prst="rect">
+            <a:avLst/>
+          </a:prstGeom>
+          <a:noFill/>
+        </p:spPr>
+        <p:txBody>
+          <a:bodyPr wrap="square">
+            <a:spAutoFit/>
+          </a:bodyPr>
+          <a:lstStyle/>
+          <a:p>
+            <a:r>
+              <a:rPr lang="en-GB" sz="3200" dirty="0"/>
+              <a:t>https://www.eventbrite.com/e/memug-scotland-18th-october-2022-tickets-411278825037</a:t>
+            </a:r>
+          </a:p>
+        </p:txBody>
+      </p:sp>
+    </p:spTree>
+    <p:extLst>
+      <p:ext uri="{BB962C8B-B14F-4D97-AF65-F5344CB8AC3E}">
+        <p14:creationId xmlns:p14="http://schemas.microsoft.com/office/powerpoint/2010/main" val="1595593701"/>
+      </p:ext>
+    </p:extLst>
+  </p:cSld>
+  <p:clrMapOvr>
+    <a:masterClrMapping/>
+  </p:clrMapOvr>
+</p:sld>
+</file>
+
+<file path=ppt/slides/slide7.xml><?xml version="1.0" encoding="utf-8"?>
+<p:sld xmlns:a="http://schemas.openxmlformats.org/drawingml/2006/main" xmlns:r="http://schemas.openxmlformats.org/officeDocument/2006/relationships" xmlns:p="http://schemas.openxmlformats.org/presentationml/2006/main">
+  <p:cSld>
+    <p:spTree>
+      <p:nvGrpSpPr>
+        <p:cNvPr id="1" name=""/>
+        <p:cNvGrpSpPr/>
+        <p:nvPr/>
+      </p:nvGrpSpPr>
+      <p:grpSpPr>
+        <a:xfrm>
+          <a:off x="0" y="0"/>
+          <a:ext cx="0" cy="0"/>
+          <a:chOff x="0" y="0"/>
+          <a:chExt cx="0" cy="0"/>
+        </a:xfrm>
+      </p:grpSpPr>
+      <p:sp>
+        <p:nvSpPr>
+          <p:cNvPr id="2" name="Title 1">
+            <a:extLst>
+              <a:ext uri="{FF2B5EF4-FFF2-40B4-BE49-F238E27FC236}">
+                <a16:creationId xmlns:a16="http://schemas.microsoft.com/office/drawing/2014/main" id="{7D8FF21A-6765-249B-8C49-13E398B0EDED}"/>
+              </a:ext>
+            </a:extLst>
+          </p:cNvPr>
+          <p:cNvSpPr>
+            <a:spLocks noGrp="1"/>
+          </p:cNvSpPr>
+          <p:nvPr>
+            <p:ph type="ctrTitle"/>
+          </p:nvPr>
+        </p:nvSpPr>
+        <p:spPr>
+          <a:xfrm>
+            <a:off x="-83574" y="9984"/>
+            <a:ext cx="2952750" cy="944976"/>
+          </a:xfrm>
+        </p:spPr>
+        <p:txBody>
+          <a:bodyPr>
+            <a:normAutofit/>
+          </a:bodyPr>
+          <a:lstStyle/>
+          <a:p>
+            <a:r>
+              <a:rPr lang="en-GB" dirty="0"/>
+              <a:t>Speaker</a:t>
+            </a:r>
+          </a:p>
+        </p:txBody>
+      </p:sp>
+      <p:pic>
+        <p:nvPicPr>
+          <p:cNvPr id="4" name="Picture 3" descr="A person's face with a mustache&#10;&#10;Description automatically generated with medium confidence">
+            <a:extLst>
+              <a:ext uri="{FF2B5EF4-FFF2-40B4-BE49-F238E27FC236}">
+                <a16:creationId xmlns:a16="http://schemas.microsoft.com/office/drawing/2014/main" id="{618FAA91-0EF5-E677-1C10-AB7A854270E3}"/>
+              </a:ext>
+            </a:extLst>
+          </p:cNvPr>
+          <p:cNvPicPr>
+            <a:picLocks noChangeAspect="1"/>
+          </p:cNvPicPr>
+          <p:nvPr/>
+        </p:nvPicPr>
+        <p:blipFill>
+          <a:blip r:embed="rId2">
+            <a:extLst>
+              <a:ext uri="{28A0092B-C50C-407E-A947-70E740481C1C}">
+                <a14:useLocalDpi xmlns:a14="http://schemas.microsoft.com/office/drawing/2010/main" val="0"/>
+              </a:ext>
+            </a:extLst>
+          </a:blip>
+          <a:stretch>
+            <a:fillRect/>
+          </a:stretch>
+        </p:blipFill>
+        <p:spPr>
+          <a:xfrm>
+            <a:off x="0" y="1104900"/>
+            <a:ext cx="3162300" cy="3162300"/>
+          </a:xfrm>
+          <a:prstGeom prst="rect">
+            <a:avLst/>
+          </a:prstGeom>
+        </p:spPr>
+      </p:pic>
+      <p:sp>
+        <p:nvSpPr>
+          <p:cNvPr id="9" name="Subtitle 2">
+            <a:extLst>
+              <a:ext uri="{FF2B5EF4-FFF2-40B4-BE49-F238E27FC236}">
+                <a16:creationId xmlns:a16="http://schemas.microsoft.com/office/drawing/2014/main" id="{7EC6CB9F-E565-DC50-22C2-9C4767B3FC94}"/>
+              </a:ext>
+            </a:extLst>
+          </p:cNvPr>
+          <p:cNvSpPr>
+            <a:spLocks noGrp="1"/>
+          </p:cNvSpPr>
+          <p:nvPr>
+            <p:ph type="subTitle" idx="1"/>
+          </p:nvPr>
+        </p:nvSpPr>
+        <p:spPr>
+          <a:xfrm>
+            <a:off x="2447927" y="1430390"/>
+            <a:ext cx="11201398" cy="2663720"/>
+          </a:xfrm>
+        </p:spPr>
+        <p:txBody>
+          <a:bodyPr>
+            <a:normAutofit/>
+          </a:bodyPr>
+          <a:lstStyle/>
+          <a:p>
+            <a:pPr algn="l"/>
+            <a:r>
+              <a:rPr lang="en-GB" sz="2800" dirty="0"/>
+              <a:t>Steven Hosking</a:t>
+            </a:r>
+          </a:p>
+          <a:p>
+            <a:pPr algn="l"/>
+            <a:r>
+              <a:rPr lang="en-GB" sz="2800" dirty="0"/>
+              <a:t>MMD Product Manager @ Microsoft</a:t>
+            </a:r>
+          </a:p>
+          <a:p>
+            <a:pPr algn="l"/>
+            <a:r>
+              <a:rPr lang="en-GB" sz="2800" dirty="0"/>
+              <a:t>        @OnPremCloudGuy</a:t>
+            </a:r>
+          </a:p>
+          <a:p>
+            <a:pPr algn="l"/>
+            <a:endParaRPr lang="en-GB" sz="2800" dirty="0"/>
+          </a:p>
+          <a:p>
+            <a:pPr algn="l"/>
+            <a:r>
+              <a:rPr lang="en-GB" sz="2800" dirty="0"/>
+              <a:t>Session – Why Intune Filters &gt; AAD Dynamic Groups</a:t>
+            </a:r>
+          </a:p>
+        </p:txBody>
+      </p:sp>
+      <p:pic>
+        <p:nvPicPr>
+          <p:cNvPr id="7" name="Picture 6" descr="A white cloud in the sky&#10;&#10;Description automatically generated with low confidence">
+            <a:extLst>
+              <a:ext uri="{FF2B5EF4-FFF2-40B4-BE49-F238E27FC236}">
+                <a16:creationId xmlns:a16="http://schemas.microsoft.com/office/drawing/2014/main" id="{59723FDB-D5DE-974E-0008-A9011E88150D}"/>
+              </a:ext>
+            </a:extLst>
+          </p:cNvPr>
+          <p:cNvPicPr>
+            <a:picLocks noChangeAspect="1"/>
+          </p:cNvPicPr>
+          <p:nvPr/>
+        </p:nvPicPr>
+        <p:blipFill>
+          <a:blip r:embed="rId3">
+            <a:extLst>
+              <a:ext uri="{28A0092B-C50C-407E-A947-70E740481C1C}">
+                <a14:useLocalDpi xmlns:a14="http://schemas.microsoft.com/office/drawing/2010/main" val="0"/>
+              </a:ext>
+            </a:extLst>
+          </a:blip>
+          <a:stretch>
+            <a:fillRect/>
+          </a:stretch>
+        </p:blipFill>
+        <p:spPr>
+          <a:xfrm>
+            <a:off x="2500225" y="2381250"/>
+            <a:ext cx="609600" cy="609600"/>
+          </a:xfrm>
+          <a:prstGeom prst="rect">
+            <a:avLst/>
+          </a:prstGeom>
+        </p:spPr>
+      </p:pic>
+      <p:pic>
+        <p:nvPicPr>
+          <p:cNvPr id="10" name="Picture 9" descr="A cityscape at night&#10;&#10;Description automatically generated with low confidence">
+            <a:extLst>
+              <a:ext uri="{FF2B5EF4-FFF2-40B4-BE49-F238E27FC236}">
+                <a16:creationId xmlns:a16="http://schemas.microsoft.com/office/drawing/2014/main" id="{83D814D0-28DE-F058-782E-49E8DB205115}"/>
+              </a:ext>
+            </a:extLst>
+          </p:cNvPr>
+          <p:cNvPicPr>
+            <a:picLocks noChangeAspect="1"/>
+          </p:cNvPicPr>
+          <p:nvPr/>
+        </p:nvPicPr>
+        <p:blipFill>
+          <a:blip r:embed="rId4">
+            <a:extLst>
+              <a:ext uri="{28A0092B-C50C-407E-A947-70E740481C1C}">
+                <a14:useLocalDpi xmlns:a14="http://schemas.microsoft.com/office/drawing/2010/main" val="0"/>
+              </a:ext>
+            </a:extLst>
+          </a:blip>
+          <a:stretch>
+            <a:fillRect/>
+          </a:stretch>
+        </p:blipFill>
+        <p:spPr>
+          <a:xfrm>
+            <a:off x="0" y="3956950"/>
+            <a:ext cx="12192000" cy="3131820"/>
+          </a:xfrm>
+          <a:prstGeom prst="rect">
+            <a:avLst/>
+          </a:prstGeom>
+        </p:spPr>
+      </p:pic>
+      <p:cxnSp>
+        <p:nvCxnSpPr>
+          <p:cNvPr id="3" name="Straight Connector 2">
+            <a:extLst>
+              <a:ext uri="{FF2B5EF4-FFF2-40B4-BE49-F238E27FC236}">
+                <a16:creationId xmlns:a16="http://schemas.microsoft.com/office/drawing/2014/main" id="{02AD35D9-7CEA-A835-A034-D2962D1EC856}"/>
+              </a:ext>
+            </a:extLst>
+          </p:cNvPr>
+          <p:cNvCxnSpPr/>
+          <p:nvPr/>
+        </p:nvCxnSpPr>
+        <p:spPr>
+          <a:xfrm flipV="1">
+            <a:off x="131311" y="874355"/>
+            <a:ext cx="11755889" cy="11442"/>
+          </a:xfrm>
+          <a:prstGeom prst="line">
+            <a:avLst/>
+          </a:prstGeom>
+          <a:ln w="25400"/>
+        </p:spPr>
+        <p:style>
+          <a:lnRef idx="1">
+            <a:schemeClr val="dk1"/>
+          </a:lnRef>
+          <a:fillRef idx="0">
+            <a:schemeClr val="dk1"/>
+          </a:fillRef>
+          <a:effectRef idx="0">
+            <a:schemeClr val="dk1"/>
+          </a:effectRef>
+          <a:fontRef idx="minor">
+            <a:schemeClr val="tx1"/>
+          </a:fontRef>
+        </p:style>
+      </p:cxnSp>
+    </p:spTree>
+    <p:extLst>
+      <p:ext uri="{BB962C8B-B14F-4D97-AF65-F5344CB8AC3E}">
+        <p14:creationId xmlns:p14="http://schemas.microsoft.com/office/powerpoint/2010/main" val="1640664184"/>
       </p:ext>
     </p:extLst>
   </p:cSld>

--- a/MEMUGScotland-Resources/Slides/31st-August-2022.pptx
+++ b/MEMUGScotland-Resources/Slides/31st-August-2022.pptx
@@ -5544,7 +5544,7 @@
         </p:blipFill>
         <p:spPr>
           <a:xfrm>
-            <a:off x="0" y="1104900"/>
+            <a:off x="3022192" y="2097123"/>
             <a:ext cx="3162300" cy="3162300"/>
           </a:xfrm>
           <a:prstGeom prst="rect">
@@ -5570,8 +5570,8 @@
         </p:nvSpPr>
         <p:spPr>
           <a:xfrm>
-            <a:off x="2447927" y="1430390"/>
-            <a:ext cx="11201398" cy="2663720"/>
+            <a:off x="220920" y="1049390"/>
+            <a:ext cx="5786590" cy="1696234"/>
           </a:xfrm>
         </p:spPr>
         <p:txBody>
@@ -5603,13 +5603,6 @@
           <a:p>
             <a:pPr algn="l"/>
             <a:endParaRPr lang="en-GB" sz="2800" dirty="0"/>
-          </a:p>
-          <a:p>
-            <a:pPr algn="l"/>
-            <a:r>
-              <a:rPr lang="en-GB" sz="2800" dirty="0"/>
-              <a:t>Session – Why Intune Filters &gt; AAD Dynamic Groups</a:t>
-            </a:r>
           </a:p>
         </p:txBody>
       </p:sp>
@@ -5641,7 +5634,7 @@
         </p:blipFill>
         <p:spPr>
           <a:xfrm>
-            <a:off x="2500225" y="2381250"/>
+            <a:off x="302715" y="1992875"/>
             <a:ext cx="609600" cy="609600"/>
           </a:xfrm>
           <a:prstGeom prst="rect">
@@ -5722,6 +5715,47 @@
           </a:fontRef>
         </p:style>
       </p:cxnSp>
+      <p:sp>
+        <p:nvSpPr>
+          <p:cNvPr id="5" name="TextBox 4">
+            <a:extLst>
+              <a:ext uri="{FF2B5EF4-FFF2-40B4-BE49-F238E27FC236}">
+                <a16:creationId xmlns:a16="http://schemas.microsoft.com/office/drawing/2014/main" id="{2F08B819-F705-0093-8073-3D425A85E475}"/>
+              </a:ext>
+            </a:extLst>
+          </p:cNvPr>
+          <p:cNvSpPr txBox="1"/>
+          <p:nvPr/>
+        </p:nvSpPr>
+        <p:spPr>
+          <a:xfrm>
+            <a:off x="6264686" y="1681624"/>
+            <a:ext cx="5442155" cy="830997"/>
+          </a:xfrm>
+          <a:prstGeom prst="rect">
+            <a:avLst/>
+          </a:prstGeom>
+          <a:noFill/>
+        </p:spPr>
+        <p:txBody>
+          <a:bodyPr wrap="square" rtlCol="0">
+            <a:spAutoFit/>
+          </a:bodyPr>
+          <a:lstStyle/>
+          <a:p>
+            <a:r>
+              <a:rPr lang="en-GB" sz="2400" dirty="0"/>
+              <a:t>Session:</a:t>
+            </a:r>
+          </a:p>
+          <a:p>
+            <a:r>
+              <a:rPr lang="en-GB" sz="2400" dirty="0"/>
+              <a:t>Why Intune Filters &gt; AAD Dynamic Groups</a:t>
+            </a:r>
+          </a:p>
+        </p:txBody>
+      </p:sp>
     </p:spTree>
     <p:extLst>
       <p:ext uri="{BB962C8B-B14F-4D97-AF65-F5344CB8AC3E}">
